--- a/Диплом.Презентация.pptx
+++ b/Диплом.Презентация.pptx
@@ -4,10 +4,18 @@
   <p:sldMasterIdLst>
     <p:sldMasterId id="2147483648" r:id="rId1"/>
   </p:sldMasterIdLst>
+  <p:notesMasterIdLst>
+    <p:notesMasterId r:id="rId10"/>
+  </p:notesMasterIdLst>
   <p:sldIdLst>
     <p:sldId id="256" r:id="rId2"/>
     <p:sldId id="258" r:id="rId3"/>
-    <p:sldId id="257" r:id="rId4"/>
+    <p:sldId id="261" r:id="rId4"/>
+    <p:sldId id="262" r:id="rId5"/>
+    <p:sldId id="260" r:id="rId6"/>
+    <p:sldId id="263" r:id="rId7"/>
+    <p:sldId id="259" r:id="rId8"/>
+    <p:sldId id="257" r:id="rId9"/>
   </p:sldIdLst>
   <p:sldSz cx="9144000" cy="6858000" type="screen4x3"/>
   <p:notesSz cx="6858000" cy="9144000"/>
@@ -109,6 +117,440 @@
 </p:presentation>
 </file>
 
+<file path=ppt/notesMasters/notesMaster1.xml><?xml version="1.0" encoding="utf-8"?>
+<p:notesMaster xmlns:a="http://schemas.openxmlformats.org/drawingml/2006/main" xmlns:r="http://schemas.openxmlformats.org/officeDocument/2006/relationships" xmlns:p="http://schemas.openxmlformats.org/presentationml/2006/main">
+  <p:cSld>
+    <p:bg>
+      <p:bgRef idx="1001">
+        <a:schemeClr val="bg1"/>
+      </p:bgRef>
+    </p:bg>
+    <p:spTree>
+      <p:nvGrpSpPr>
+        <p:cNvPr id="1" name=""/>
+        <p:cNvGrpSpPr/>
+        <p:nvPr/>
+      </p:nvGrpSpPr>
+      <p:grpSpPr>
+        <a:xfrm>
+          <a:off x="0" y="0"/>
+          <a:ext cx="0" cy="0"/>
+          <a:chOff x="0" y="0"/>
+          <a:chExt cx="0" cy="0"/>
+        </a:xfrm>
+      </p:grpSpPr>
+      <p:sp>
+        <p:nvSpPr>
+          <p:cNvPr id="2" name="Header Placeholder 1"/>
+          <p:cNvSpPr>
+            <a:spLocks noGrp="1"/>
+          </p:cNvSpPr>
+          <p:nvPr>
+            <p:ph type="hdr" sz="quarter"/>
+          </p:nvPr>
+        </p:nvSpPr>
+        <p:spPr>
+          <a:xfrm>
+            <a:off x="0" y="0"/>
+            <a:ext cx="2971800" cy="457200"/>
+          </a:xfrm>
+          <a:prstGeom prst="rect">
+            <a:avLst/>
+          </a:prstGeom>
+        </p:spPr>
+        <p:txBody>
+          <a:bodyPr vert="horz" lIns="91440" tIns="45720" rIns="91440" bIns="45720" rtlCol="0"/>
+          <a:lstStyle>
+            <a:lvl1pPr algn="l">
+              <a:defRPr sz="1200"/>
+            </a:lvl1pPr>
+          </a:lstStyle>
+          <a:p>
+            <a:endParaRPr lang="ru-RU"/>
+          </a:p>
+        </p:txBody>
+      </p:sp>
+      <p:sp>
+        <p:nvSpPr>
+          <p:cNvPr id="3" name="Date Placeholder 2"/>
+          <p:cNvSpPr>
+            <a:spLocks noGrp="1"/>
+          </p:cNvSpPr>
+          <p:nvPr>
+            <p:ph type="dt" idx="1"/>
+          </p:nvPr>
+        </p:nvSpPr>
+        <p:spPr>
+          <a:xfrm>
+            <a:off x="3884613" y="0"/>
+            <a:ext cx="2971800" cy="457200"/>
+          </a:xfrm>
+          <a:prstGeom prst="rect">
+            <a:avLst/>
+          </a:prstGeom>
+        </p:spPr>
+        <p:txBody>
+          <a:bodyPr vert="horz" lIns="91440" tIns="45720" rIns="91440" bIns="45720" rtlCol="0"/>
+          <a:lstStyle>
+            <a:lvl1pPr algn="r">
+              <a:defRPr sz="1200"/>
+            </a:lvl1pPr>
+          </a:lstStyle>
+          <a:p>
+            <a:fld id="{B21CCE55-FCEF-42A5-93FB-A0ADBD96193B}" type="datetimeFigureOut">
+              <a:rPr lang="ru-RU" smtClean="0"/>
+              <a:t>18.06.2015</a:t>
+            </a:fld>
+            <a:endParaRPr lang="ru-RU"/>
+          </a:p>
+        </p:txBody>
+      </p:sp>
+      <p:sp>
+        <p:nvSpPr>
+          <p:cNvPr id="4" name="Slide Image Placeholder 3"/>
+          <p:cNvSpPr>
+            <a:spLocks noGrp="1" noRot="1" noChangeAspect="1"/>
+          </p:cNvSpPr>
+          <p:nvPr>
+            <p:ph type="sldImg" idx="2"/>
+          </p:nvPr>
+        </p:nvSpPr>
+        <p:spPr>
+          <a:xfrm>
+            <a:off x="1143000" y="685800"/>
+            <a:ext cx="4572000" cy="3429000"/>
+          </a:xfrm>
+          <a:prstGeom prst="rect">
+            <a:avLst/>
+          </a:prstGeom>
+          <a:noFill/>
+          <a:ln w="12700">
+            <a:solidFill>
+              <a:prstClr val="black"/>
+            </a:solidFill>
+          </a:ln>
+        </p:spPr>
+        <p:txBody>
+          <a:bodyPr vert="horz" lIns="91440" tIns="45720" rIns="91440" bIns="45720" rtlCol="0" anchor="ctr"/>
+          <a:lstStyle/>
+          <a:p>
+            <a:endParaRPr lang="ru-RU"/>
+          </a:p>
+        </p:txBody>
+      </p:sp>
+      <p:sp>
+        <p:nvSpPr>
+          <p:cNvPr id="5" name="Notes Placeholder 4"/>
+          <p:cNvSpPr>
+            <a:spLocks noGrp="1"/>
+          </p:cNvSpPr>
+          <p:nvPr>
+            <p:ph type="body" sz="quarter" idx="3"/>
+          </p:nvPr>
+        </p:nvSpPr>
+        <p:spPr>
+          <a:xfrm>
+            <a:off x="685800" y="4343400"/>
+            <a:ext cx="5486400" cy="4114800"/>
+          </a:xfrm>
+          <a:prstGeom prst="rect">
+            <a:avLst/>
+          </a:prstGeom>
+        </p:spPr>
+        <p:txBody>
+          <a:bodyPr vert="horz" lIns="91440" tIns="45720" rIns="91440" bIns="45720" rtlCol="0"/>
+          <a:lstStyle/>
+          <a:p>
+            <a:pPr lvl="0"/>
+            <a:r>
+              <a:rPr lang="en-US" smtClean="0"/>
+              <a:t>Click to edit Master text styles</a:t>
+            </a:r>
+          </a:p>
+          <a:p>
+            <a:pPr lvl="1"/>
+            <a:r>
+              <a:rPr lang="en-US" smtClean="0"/>
+              <a:t>Second level</a:t>
+            </a:r>
+          </a:p>
+          <a:p>
+            <a:pPr lvl="2"/>
+            <a:r>
+              <a:rPr lang="en-US" smtClean="0"/>
+              <a:t>Third level</a:t>
+            </a:r>
+          </a:p>
+          <a:p>
+            <a:pPr lvl="3"/>
+            <a:r>
+              <a:rPr lang="en-US" smtClean="0"/>
+              <a:t>Fourth level</a:t>
+            </a:r>
+          </a:p>
+          <a:p>
+            <a:pPr lvl="4"/>
+            <a:r>
+              <a:rPr lang="en-US" smtClean="0"/>
+              <a:t>Fifth level</a:t>
+            </a:r>
+            <a:endParaRPr lang="ru-RU"/>
+          </a:p>
+        </p:txBody>
+      </p:sp>
+      <p:sp>
+        <p:nvSpPr>
+          <p:cNvPr id="6" name="Footer Placeholder 5"/>
+          <p:cNvSpPr>
+            <a:spLocks noGrp="1"/>
+          </p:cNvSpPr>
+          <p:nvPr>
+            <p:ph type="ftr" sz="quarter" idx="4"/>
+          </p:nvPr>
+        </p:nvSpPr>
+        <p:spPr>
+          <a:xfrm>
+            <a:off x="0" y="8685213"/>
+            <a:ext cx="2971800" cy="457200"/>
+          </a:xfrm>
+          <a:prstGeom prst="rect">
+            <a:avLst/>
+          </a:prstGeom>
+        </p:spPr>
+        <p:txBody>
+          <a:bodyPr vert="horz" lIns="91440" tIns="45720" rIns="91440" bIns="45720" rtlCol="0" anchor="b"/>
+          <a:lstStyle>
+            <a:lvl1pPr algn="l">
+              <a:defRPr sz="1200"/>
+            </a:lvl1pPr>
+          </a:lstStyle>
+          <a:p>
+            <a:endParaRPr lang="ru-RU"/>
+          </a:p>
+        </p:txBody>
+      </p:sp>
+      <p:sp>
+        <p:nvSpPr>
+          <p:cNvPr id="7" name="Slide Number Placeholder 6"/>
+          <p:cNvSpPr>
+            <a:spLocks noGrp="1"/>
+          </p:cNvSpPr>
+          <p:nvPr>
+            <p:ph type="sldNum" sz="quarter" idx="5"/>
+          </p:nvPr>
+        </p:nvSpPr>
+        <p:spPr>
+          <a:xfrm>
+            <a:off x="3884613" y="8685213"/>
+            <a:ext cx="2971800" cy="457200"/>
+          </a:xfrm>
+          <a:prstGeom prst="rect">
+            <a:avLst/>
+          </a:prstGeom>
+        </p:spPr>
+        <p:txBody>
+          <a:bodyPr vert="horz" lIns="91440" tIns="45720" rIns="91440" bIns="45720" rtlCol="0" anchor="b"/>
+          <a:lstStyle>
+            <a:lvl1pPr algn="r">
+              <a:defRPr sz="1200"/>
+            </a:lvl1pPr>
+          </a:lstStyle>
+          <a:p>
+            <a:fld id="{F3F859FD-7670-47FF-881F-4484F3796A7E}" type="slidenum">
+              <a:rPr lang="ru-RU" smtClean="0"/>
+              <a:t>‹#›</a:t>
+            </a:fld>
+            <a:endParaRPr lang="ru-RU"/>
+          </a:p>
+        </p:txBody>
+      </p:sp>
+    </p:spTree>
+    <p:extLst>
+      <p:ext uri="{BB962C8B-B14F-4D97-AF65-F5344CB8AC3E}">
+        <p14:creationId xmlns:p14="http://schemas.microsoft.com/office/powerpoint/2010/main" val="2025219436"/>
+      </p:ext>
+    </p:extLst>
+  </p:cSld>
+  <p:clrMap bg1="lt1" tx1="dk1" bg2="lt2" tx2="dk2" accent1="accent1" accent2="accent2" accent3="accent3" accent4="accent4" accent5="accent5" accent6="accent6" hlink="hlink" folHlink="folHlink"/>
+  <p:notesStyle>
+    <a:lvl1pPr marL="0" algn="l" defTabSz="914400" rtl="0" eaLnBrk="1" latinLnBrk="0" hangingPunct="1">
+      <a:defRPr sz="1200" kern="1200">
+        <a:solidFill>
+          <a:schemeClr val="tx1"/>
+        </a:solidFill>
+        <a:latin typeface="+mn-lt"/>
+        <a:ea typeface="+mn-ea"/>
+        <a:cs typeface="+mn-cs"/>
+      </a:defRPr>
+    </a:lvl1pPr>
+    <a:lvl2pPr marL="457200" algn="l" defTabSz="914400" rtl="0" eaLnBrk="1" latinLnBrk="0" hangingPunct="1">
+      <a:defRPr sz="1200" kern="1200">
+        <a:solidFill>
+          <a:schemeClr val="tx1"/>
+        </a:solidFill>
+        <a:latin typeface="+mn-lt"/>
+        <a:ea typeface="+mn-ea"/>
+        <a:cs typeface="+mn-cs"/>
+      </a:defRPr>
+    </a:lvl2pPr>
+    <a:lvl3pPr marL="914400" algn="l" defTabSz="914400" rtl="0" eaLnBrk="1" latinLnBrk="0" hangingPunct="1">
+      <a:defRPr sz="1200" kern="1200">
+        <a:solidFill>
+          <a:schemeClr val="tx1"/>
+        </a:solidFill>
+        <a:latin typeface="+mn-lt"/>
+        <a:ea typeface="+mn-ea"/>
+        <a:cs typeface="+mn-cs"/>
+      </a:defRPr>
+    </a:lvl3pPr>
+    <a:lvl4pPr marL="1371600" algn="l" defTabSz="914400" rtl="0" eaLnBrk="1" latinLnBrk="0" hangingPunct="1">
+      <a:defRPr sz="1200" kern="1200">
+        <a:solidFill>
+          <a:schemeClr val="tx1"/>
+        </a:solidFill>
+        <a:latin typeface="+mn-lt"/>
+        <a:ea typeface="+mn-ea"/>
+        <a:cs typeface="+mn-cs"/>
+      </a:defRPr>
+    </a:lvl4pPr>
+    <a:lvl5pPr marL="1828800" algn="l" defTabSz="914400" rtl="0" eaLnBrk="1" latinLnBrk="0" hangingPunct="1">
+      <a:defRPr sz="1200" kern="1200">
+        <a:solidFill>
+          <a:schemeClr val="tx1"/>
+        </a:solidFill>
+        <a:latin typeface="+mn-lt"/>
+        <a:ea typeface="+mn-ea"/>
+        <a:cs typeface="+mn-cs"/>
+      </a:defRPr>
+    </a:lvl5pPr>
+    <a:lvl6pPr marL="2286000" algn="l" defTabSz="914400" rtl="0" eaLnBrk="1" latinLnBrk="0" hangingPunct="1">
+      <a:defRPr sz="1200" kern="1200">
+        <a:solidFill>
+          <a:schemeClr val="tx1"/>
+        </a:solidFill>
+        <a:latin typeface="+mn-lt"/>
+        <a:ea typeface="+mn-ea"/>
+        <a:cs typeface="+mn-cs"/>
+      </a:defRPr>
+    </a:lvl6pPr>
+    <a:lvl7pPr marL="2743200" algn="l" defTabSz="914400" rtl="0" eaLnBrk="1" latinLnBrk="0" hangingPunct="1">
+      <a:defRPr sz="1200" kern="1200">
+        <a:solidFill>
+          <a:schemeClr val="tx1"/>
+        </a:solidFill>
+        <a:latin typeface="+mn-lt"/>
+        <a:ea typeface="+mn-ea"/>
+        <a:cs typeface="+mn-cs"/>
+      </a:defRPr>
+    </a:lvl7pPr>
+    <a:lvl8pPr marL="3200400" algn="l" defTabSz="914400" rtl="0" eaLnBrk="1" latinLnBrk="0" hangingPunct="1">
+      <a:defRPr sz="1200" kern="1200">
+        <a:solidFill>
+          <a:schemeClr val="tx1"/>
+        </a:solidFill>
+        <a:latin typeface="+mn-lt"/>
+        <a:ea typeface="+mn-ea"/>
+        <a:cs typeface="+mn-cs"/>
+      </a:defRPr>
+    </a:lvl8pPr>
+    <a:lvl9pPr marL="3657600" algn="l" defTabSz="914400" rtl="0" eaLnBrk="1" latinLnBrk="0" hangingPunct="1">
+      <a:defRPr sz="1200" kern="1200">
+        <a:solidFill>
+          <a:schemeClr val="tx1"/>
+        </a:solidFill>
+        <a:latin typeface="+mn-lt"/>
+        <a:ea typeface="+mn-ea"/>
+        <a:cs typeface="+mn-cs"/>
+      </a:defRPr>
+    </a:lvl9pPr>
+  </p:notesStyle>
+</p:notesMaster>
+</file>
+
+<file path=ppt/notesSlides/notesSlide1.xml><?xml version="1.0" encoding="utf-8"?>
+<p:notes xmlns:a="http://schemas.openxmlformats.org/drawingml/2006/main" xmlns:r="http://schemas.openxmlformats.org/officeDocument/2006/relationships" xmlns:p="http://schemas.openxmlformats.org/presentationml/2006/main">
+  <p:cSld>
+    <p:spTree>
+      <p:nvGrpSpPr>
+        <p:cNvPr id="1" name=""/>
+        <p:cNvGrpSpPr/>
+        <p:nvPr/>
+      </p:nvGrpSpPr>
+      <p:grpSpPr>
+        <a:xfrm>
+          <a:off x="0" y="0"/>
+          <a:ext cx="0" cy="0"/>
+          <a:chOff x="0" y="0"/>
+          <a:chExt cx="0" cy="0"/>
+        </a:xfrm>
+      </p:grpSpPr>
+      <p:sp>
+        <p:nvSpPr>
+          <p:cNvPr id="2" name="Slide Image Placeholder 1"/>
+          <p:cNvSpPr>
+            <a:spLocks noGrp="1" noRot="1" noChangeAspect="1"/>
+          </p:cNvSpPr>
+          <p:nvPr>
+            <p:ph type="sldImg"/>
+          </p:nvPr>
+        </p:nvSpPr>
+        <p:spPr/>
+      </p:sp>
+      <p:sp>
+        <p:nvSpPr>
+          <p:cNvPr id="3" name="Notes Placeholder 2"/>
+          <p:cNvSpPr>
+            <a:spLocks noGrp="1"/>
+          </p:cNvSpPr>
+          <p:nvPr>
+            <p:ph type="body" idx="1"/>
+          </p:nvPr>
+        </p:nvSpPr>
+        <p:spPr/>
+        <p:txBody>
+          <a:bodyPr/>
+          <a:lstStyle/>
+          <a:p>
+            <a:endParaRPr lang="ru-RU"/>
+          </a:p>
+        </p:txBody>
+      </p:sp>
+      <p:sp>
+        <p:nvSpPr>
+          <p:cNvPr id="4" name="Slide Number Placeholder 3"/>
+          <p:cNvSpPr>
+            <a:spLocks noGrp="1"/>
+          </p:cNvSpPr>
+          <p:nvPr>
+            <p:ph type="sldNum" sz="quarter" idx="10"/>
+          </p:nvPr>
+        </p:nvSpPr>
+        <p:spPr/>
+        <p:txBody>
+          <a:bodyPr/>
+          <a:lstStyle/>
+          <a:p>
+            <a:fld id="{F3F859FD-7670-47FF-881F-4484F3796A7E}" type="slidenum">
+              <a:rPr lang="ru-RU" smtClean="0"/>
+              <a:t>7</a:t>
+            </a:fld>
+            <a:endParaRPr lang="ru-RU"/>
+          </a:p>
+        </p:txBody>
+      </p:sp>
+    </p:spTree>
+    <p:extLst>
+      <p:ext uri="{BB962C8B-B14F-4D97-AF65-F5344CB8AC3E}">
+        <p14:creationId xmlns:p14="http://schemas.microsoft.com/office/powerpoint/2010/main" val="2039081697"/>
+      </p:ext>
+    </p:extLst>
+  </p:cSld>
+  <p:clrMapOvr>
+    <a:masterClrMapping/>
+  </p:clrMapOvr>
+</p:notes>
+</file>
+
 <file path=ppt/slideLayouts/slideLayout1.xml><?xml version="1.0" encoding="utf-8"?>
 <p:sldLayout xmlns:a="http://schemas.openxmlformats.org/drawingml/2006/main" xmlns:r="http://schemas.openxmlformats.org/officeDocument/2006/relationships" xmlns:p="http://schemas.openxmlformats.org/presentationml/2006/main" type="title" preserve="1">
   <p:cSld name="Title Slide">
@@ -288,7 +730,7 @@
           <a:bodyPr/>
           <a:lstStyle/>
           <a:p>
-            <a:fld id="{C77875D6-1516-47B6-83A1-37F19E109119}" type="datetimeFigureOut">
+            <a:fld id="{94014514-B176-4189-B61A-53FCA95F879D}" type="datetime1">
               <a:rPr lang="ru-RU" smtClean="0"/>
               <a:t>18.06.2015</a:t>
             </a:fld>
@@ -458,7 +900,7 @@
           <a:bodyPr/>
           <a:lstStyle/>
           <a:p>
-            <a:fld id="{C77875D6-1516-47B6-83A1-37F19E109119}" type="datetimeFigureOut">
+            <a:fld id="{F9FB3338-4DBD-4BD5-9A33-0FB9D5CBA28C}" type="datetime1">
               <a:rPr lang="ru-RU" smtClean="0"/>
               <a:t>18.06.2015</a:t>
             </a:fld>
@@ -638,7 +1080,7 @@
           <a:bodyPr/>
           <a:lstStyle/>
           <a:p>
-            <a:fld id="{C77875D6-1516-47B6-83A1-37F19E109119}" type="datetimeFigureOut">
+            <a:fld id="{1347BC48-5813-4EAD-BCE4-58A9A57111F6}" type="datetime1">
               <a:rPr lang="ru-RU" smtClean="0"/>
               <a:t>18.06.2015</a:t>
             </a:fld>
@@ -808,7 +1250,7 @@
           <a:bodyPr/>
           <a:lstStyle/>
           <a:p>
-            <a:fld id="{C77875D6-1516-47B6-83A1-37F19E109119}" type="datetimeFigureOut">
+            <a:fld id="{ADC250F2-DA2D-4232-BF75-C4C345B0792E}" type="datetime1">
               <a:rPr lang="ru-RU" smtClean="0"/>
               <a:t>18.06.2015</a:t>
             </a:fld>
@@ -1054,7 +1496,7 @@
           <a:bodyPr/>
           <a:lstStyle/>
           <a:p>
-            <a:fld id="{C77875D6-1516-47B6-83A1-37F19E109119}" type="datetimeFigureOut">
+            <a:fld id="{49751030-727A-4208-84E7-7E6F2C6FBFF9}" type="datetime1">
               <a:rPr lang="ru-RU" smtClean="0"/>
               <a:t>18.06.2015</a:t>
             </a:fld>
@@ -1342,7 +1784,7 @@
           <a:bodyPr/>
           <a:lstStyle/>
           <a:p>
-            <a:fld id="{C77875D6-1516-47B6-83A1-37F19E109119}" type="datetimeFigureOut">
+            <a:fld id="{74A3F34E-48A6-42F9-B7E1-3A4AF50396F0}" type="datetime1">
               <a:rPr lang="ru-RU" smtClean="0"/>
               <a:t>18.06.2015</a:t>
             </a:fld>
@@ -1764,7 +2206,7 @@
           <a:bodyPr/>
           <a:lstStyle/>
           <a:p>
-            <a:fld id="{C77875D6-1516-47B6-83A1-37F19E109119}" type="datetimeFigureOut">
+            <a:fld id="{C9B3B385-42D8-481B-A167-51E68E1E060E}" type="datetime1">
               <a:rPr lang="ru-RU" smtClean="0"/>
               <a:t>18.06.2015</a:t>
             </a:fld>
@@ -1882,7 +2324,7 @@
           <a:bodyPr/>
           <a:lstStyle/>
           <a:p>
-            <a:fld id="{C77875D6-1516-47B6-83A1-37F19E109119}" type="datetimeFigureOut">
+            <a:fld id="{BC5443D0-A16F-4F7E-9A01-F32999DFE207}" type="datetime1">
               <a:rPr lang="ru-RU" smtClean="0"/>
               <a:t>18.06.2015</a:t>
             </a:fld>
@@ -1977,7 +2419,7 @@
           <a:bodyPr/>
           <a:lstStyle/>
           <a:p>
-            <a:fld id="{C77875D6-1516-47B6-83A1-37F19E109119}" type="datetimeFigureOut">
+            <a:fld id="{2720ADFC-0040-4614-BB09-A0ABDB8F5415}" type="datetime1">
               <a:rPr lang="ru-RU" smtClean="0"/>
               <a:t>18.06.2015</a:t>
             </a:fld>
@@ -2254,7 +2696,7 @@
           <a:bodyPr/>
           <a:lstStyle/>
           <a:p>
-            <a:fld id="{C77875D6-1516-47B6-83A1-37F19E109119}" type="datetimeFigureOut">
+            <a:fld id="{10FFD454-0272-4CD3-ADE3-2995A919132E}" type="datetime1">
               <a:rPr lang="ru-RU" smtClean="0"/>
               <a:t>18.06.2015</a:t>
             </a:fld>
@@ -2507,7 +2949,7 @@
           <a:bodyPr/>
           <a:lstStyle/>
           <a:p>
-            <a:fld id="{C77875D6-1516-47B6-83A1-37F19E109119}" type="datetimeFigureOut">
+            <a:fld id="{309F9350-3226-440D-905B-40E6D12AFA53}" type="datetime1">
               <a:rPr lang="ru-RU" smtClean="0"/>
               <a:t>18.06.2015</a:t>
             </a:fld>
@@ -2720,7 +3162,7 @@
             </a:lvl1pPr>
           </a:lstStyle>
           <a:p>
-            <a:fld id="{C77875D6-1516-47B6-83A1-37F19E109119}" type="datetimeFigureOut">
+            <a:fld id="{9FE6CEF0-446A-47FD-B8CA-4DFE35A14DBD}" type="datetime1">
               <a:rPr lang="ru-RU" smtClean="0"/>
               <a:t>18.06.2015</a:t>
             </a:fld>
@@ -2827,6 +3269,7 @@
     <p:sldLayoutId id="2147483658" r:id="rId10"/>
     <p:sldLayoutId id="2147483659" r:id="rId11"/>
   </p:sldLayoutIdLst>
+  <p:hf hdr="0" ftr="0" dt="0"/>
   <p:txStyles>
     <p:titleStyle>
       <a:lvl1pPr algn="ctr" defTabSz="914400" rtl="0" eaLnBrk="1" latinLnBrk="0" hangingPunct="1">
@@ -3131,6 +3574,65 @@
           </a:p>
         </p:txBody>
       </p:sp>
+      <p:sp>
+        <p:nvSpPr>
+          <p:cNvPr id="3" name="Slide Number Placeholder 2"/>
+          <p:cNvSpPr>
+            <a:spLocks noGrp="1"/>
+          </p:cNvSpPr>
+          <p:nvPr>
+            <p:ph type="sldNum" sz="quarter" idx="12"/>
+          </p:nvPr>
+        </p:nvSpPr>
+        <p:spPr/>
+        <p:txBody>
+          <a:bodyPr/>
+          <a:lstStyle/>
+          <a:p>
+            <a:fld id="{50996AF7-1824-4C33-83B5-5666EA84AEE3}" type="slidenum">
+              <a:rPr lang="ru-RU" smtClean="0"/>
+              <a:t>1</a:t>
+            </a:fld>
+            <a:endParaRPr lang="ru-RU"/>
+          </a:p>
+        </p:txBody>
+      </p:sp>
+      <p:sp>
+        <p:nvSpPr>
+          <p:cNvPr id="4" name="TextBox 3"/>
+          <p:cNvSpPr txBox="1"/>
+          <p:nvPr/>
+        </p:nvSpPr>
+        <p:spPr>
+          <a:xfrm>
+            <a:off x="3995936" y="3717032"/>
+            <a:ext cx="5040560" cy="646331"/>
+          </a:xfrm>
+          <a:prstGeom prst="rect">
+            <a:avLst/>
+          </a:prstGeom>
+          <a:noFill/>
+        </p:spPr>
+        <p:txBody>
+          <a:bodyPr wrap="square" rtlCol="0">
+            <a:spAutoFit/>
+          </a:bodyPr>
+          <a:lstStyle/>
+          <a:p>
+            <a:r>
+              <a:rPr lang="ru-RU" dirty="0" smtClean="0"/>
+              <a:t>Разработал:	студент гр. ПМ-51 	Буров С. Д.</a:t>
+            </a:r>
+          </a:p>
+          <a:p>
+            <a:r>
+              <a:rPr lang="ru-RU" dirty="0" smtClean="0"/>
+              <a:t>Руководитель: 	преподаватель 	Белиц А. Б.</a:t>
+            </a:r>
+            <a:endParaRPr lang="ru-RU" dirty="0"/>
+          </a:p>
+        </p:txBody>
+      </p:sp>
     </p:spTree>
     <p:extLst>
       <p:ext uri="{BB962C8B-B14F-4D97-AF65-F5344CB8AC3E}">
@@ -3141,6 +3643,13 @@
   <p:clrMapOvr>
     <a:masterClrMapping/>
   </p:clrMapOvr>
+  <p:timing>
+    <p:tnLst>
+      <p:par>
+        <p:cTn id="1" dur="indefinite" restart="never" nodeType="tmRoot"/>
+      </p:par>
+    </p:tnLst>
+  </p:timing>
 </p:sld>
 </file>
 
@@ -3184,6 +3693,91 @@
           </a:p>
         </p:txBody>
       </p:sp>
+      <p:sp>
+        <p:nvSpPr>
+          <p:cNvPr id="3" name="TextBox 2"/>
+          <p:cNvSpPr txBox="1"/>
+          <p:nvPr/>
+        </p:nvSpPr>
+        <p:spPr>
+          <a:xfrm>
+            <a:off x="1043608" y="1556792"/>
+            <a:ext cx="7200800" cy="1477328"/>
+          </a:xfrm>
+          <a:prstGeom prst="rect">
+            <a:avLst/>
+          </a:prstGeom>
+          <a:noFill/>
+        </p:spPr>
+        <p:txBody>
+          <a:bodyPr wrap="square" rtlCol="0">
+            <a:spAutoFit/>
+          </a:bodyPr>
+          <a:lstStyle/>
+          <a:p>
+            <a:pPr marL="342900" indent="-342900" algn="just">
+              <a:buFont typeface="Wingdings" panose="05000000000000000000" pitchFamily="2" charset="2"/>
+              <a:buChar char="§"/>
+            </a:pPr>
+            <a:r>
+              <a:rPr lang="ru-RU" dirty="0" smtClean="0"/>
+              <a:t>Изучить открытые методы биометрической верификации подписи;</a:t>
+            </a:r>
+          </a:p>
+          <a:p>
+            <a:pPr marL="342900" indent="-342900" algn="just">
+              <a:buFont typeface="Wingdings" panose="05000000000000000000" pitchFamily="2" charset="2"/>
+              <a:buChar char="§"/>
+            </a:pPr>
+            <a:r>
+              <a:rPr lang="ru-RU" dirty="0" smtClean="0"/>
+              <a:t>Разработать программный продукт, позволяющий проводить верификацию подписи;</a:t>
+            </a:r>
+          </a:p>
+          <a:p>
+            <a:pPr marL="342900" indent="-342900" algn="just">
+              <a:buFont typeface="Wingdings" panose="05000000000000000000" pitchFamily="2" charset="2"/>
+              <a:buChar char="§"/>
+            </a:pPr>
+            <a:r>
+              <a:rPr lang="ru-RU" dirty="0" smtClean="0"/>
+              <a:t>Оформить программный продукт в виде </a:t>
+            </a:r>
+            <a:r>
+              <a:rPr lang="en-US" dirty="0" smtClean="0"/>
+              <a:t>Android-</a:t>
+            </a:r>
+            <a:r>
+              <a:rPr lang="ru-RU" dirty="0" smtClean="0"/>
+              <a:t>приложения для демонстрации возможностей продукта.</a:t>
+            </a:r>
+            <a:endParaRPr lang="ru-RU" dirty="0"/>
+          </a:p>
+        </p:txBody>
+      </p:sp>
+      <p:sp>
+        <p:nvSpPr>
+          <p:cNvPr id="4" name="Slide Number Placeholder 3"/>
+          <p:cNvSpPr>
+            <a:spLocks noGrp="1"/>
+          </p:cNvSpPr>
+          <p:nvPr>
+            <p:ph type="sldNum" sz="quarter" idx="12"/>
+          </p:nvPr>
+        </p:nvSpPr>
+        <p:spPr/>
+        <p:txBody>
+          <a:bodyPr/>
+          <a:lstStyle/>
+          <a:p>
+            <a:fld id="{50996AF7-1824-4C33-83B5-5666EA84AEE3}" type="slidenum">
+              <a:rPr lang="ru-RU" smtClean="0"/>
+              <a:t>2</a:t>
+            </a:fld>
+            <a:endParaRPr lang="ru-RU"/>
+          </a:p>
+        </p:txBody>
+      </p:sp>
     </p:spTree>
     <p:extLst>
       <p:ext uri="{BB962C8B-B14F-4D97-AF65-F5344CB8AC3E}">
@@ -3194,6 +3788,13 @@
   <p:clrMapOvr>
     <a:masterClrMapping/>
   </p:clrMapOvr>
+  <p:timing>
+    <p:tnLst>
+      <p:par>
+        <p:cTn id="1" dur="indefinite" restart="never" nodeType="tmRoot"/>
+      </p:par>
+    </p:tnLst>
+  </p:timing>
 </p:sld>
 </file>
 
@@ -3216,6 +3817,2273 @@
       </p:grpSpPr>
       <p:sp>
         <p:nvSpPr>
+          <p:cNvPr id="2" name="Title 1"/>
+          <p:cNvSpPr>
+            <a:spLocks noGrp="1"/>
+          </p:cNvSpPr>
+          <p:nvPr>
+            <p:ph type="title"/>
+          </p:nvPr>
+        </p:nvSpPr>
+        <p:spPr/>
+        <p:txBody>
+          <a:bodyPr>
+            <a:normAutofit fontScale="90000"/>
+          </a:bodyPr>
+          <a:lstStyle/>
+          <a:p>
+            <a:r>
+              <a:rPr lang="ru-RU" dirty="0" smtClean="0"/>
+              <a:t>Общий алгоритм обработки подписи</a:t>
+            </a:r>
+            <a:endParaRPr lang="ru-RU" dirty="0"/>
+          </a:p>
+        </p:txBody>
+      </p:sp>
+      <p:sp>
+        <p:nvSpPr>
+          <p:cNvPr id="3" name="Slide Number Placeholder 2"/>
+          <p:cNvSpPr>
+            <a:spLocks noGrp="1"/>
+          </p:cNvSpPr>
+          <p:nvPr>
+            <p:ph type="sldNum" sz="quarter" idx="12"/>
+          </p:nvPr>
+        </p:nvSpPr>
+        <p:spPr/>
+        <p:txBody>
+          <a:bodyPr/>
+          <a:lstStyle/>
+          <a:p>
+            <a:fld id="{50996AF7-1824-4C33-83B5-5666EA84AEE3}" type="slidenum">
+              <a:rPr lang="ru-RU" smtClean="0"/>
+              <a:t>3</a:t>
+            </a:fld>
+            <a:endParaRPr lang="ru-RU"/>
+          </a:p>
+        </p:txBody>
+      </p:sp>
+      <mc:AlternateContent xmlns:mc="http://schemas.openxmlformats.org/markup-compatibility/2006">
+        <mc:Choice xmlns:a14="http://schemas.microsoft.com/office/drawing/2010/main" Requires="a14">
+          <p:sp>
+            <p:nvSpPr>
+              <p:cNvPr id="7" name="Rectangle 6"/>
+              <p:cNvSpPr/>
+              <p:nvPr/>
+            </p:nvSpPr>
+            <p:spPr>
+              <a:xfrm>
+                <a:off x="467544" y="1340767"/>
+                <a:ext cx="1853969" cy="482953"/>
+              </a:xfrm>
+              <a:prstGeom prst="rect">
+                <a:avLst/>
+              </a:prstGeom>
+            </p:spPr>
+            <p:txBody>
+              <a:bodyPr wrap="none">
+                <a:spAutoFit/>
+              </a:bodyPr>
+              <a:lstStyle/>
+              <a:p>
+                <a14:m>
+                  <m:oMathPara xmlns:m="http://schemas.openxmlformats.org/officeDocument/2006/math">
+                    <m:oMathParaPr>
+                      <m:jc m:val="centerGroup"/>
+                    </m:oMathParaPr>
+                    <m:oMath xmlns:m="http://schemas.openxmlformats.org/officeDocument/2006/math">
+                      <m:sSubSup>
+                        <m:sSubSupPr>
+                          <m:ctrlPr>
+                            <a:rPr lang="ru-RU" i="1"/>
+                          </m:ctrlPr>
+                        </m:sSubSupPr>
+                        <m:e>
+                          <m:d>
+                            <m:dPr>
+                              <m:begChr m:val="{"/>
+                              <m:endChr m:val="}"/>
+                              <m:ctrlPr>
+                                <a:rPr lang="ru-RU" i="1"/>
+                              </m:ctrlPr>
+                            </m:dPr>
+                            <m:e>
+                              <m:sSub>
+                                <m:sSubPr>
+                                  <m:ctrlPr>
+                                    <a:rPr lang="ru-RU" i="1"/>
+                                  </m:ctrlPr>
+                                </m:sSubPr>
+                                <m:e>
+                                  <m:r>
+                                    <a:rPr lang="en-US" i="1"/>
+                                    <m:t>𝑥</m:t>
+                                  </m:r>
+                                </m:e>
+                                <m:sub>
+                                  <m:r>
+                                    <a:rPr lang="en-US" i="1"/>
+                                    <m:t>𝑖</m:t>
+                                  </m:r>
+                                </m:sub>
+                              </m:sSub>
+                              <m:d>
+                                <m:dPr>
+                                  <m:ctrlPr>
+                                    <a:rPr lang="ru-RU" i="1"/>
+                                  </m:ctrlPr>
+                                </m:dPr>
+                                <m:e>
+                                  <m:sSub>
+                                    <m:sSubPr>
+                                      <m:ctrlPr>
+                                        <a:rPr lang="ru-RU" i="1"/>
+                                      </m:ctrlPr>
+                                    </m:sSubPr>
+                                    <m:e>
+                                      <m:r>
+                                        <a:rPr lang="en-US" i="1"/>
+                                        <m:t>𝑡</m:t>
+                                      </m:r>
+                                    </m:e>
+                                    <m:sub>
+                                      <m:r>
+                                        <a:rPr lang="en-US" i="1"/>
+                                        <m:t>𝑖</m:t>
+                                      </m:r>
+                                    </m:sub>
+                                  </m:sSub>
+                                </m:e>
+                              </m:d>
+                              <m:r>
+                                <a:rPr lang="en-US" i="1"/>
+                                <m:t>, </m:t>
+                              </m:r>
+                              <m:sSub>
+                                <m:sSubPr>
+                                  <m:ctrlPr>
+                                    <a:rPr lang="ru-RU" i="1"/>
+                                  </m:ctrlPr>
+                                </m:sSubPr>
+                                <m:e>
+                                  <m:r>
+                                    <a:rPr lang="en-US" i="1"/>
+                                    <m:t>𝑦</m:t>
+                                  </m:r>
+                                </m:e>
+                                <m:sub>
+                                  <m:r>
+                                    <a:rPr lang="en-US" i="1"/>
+                                    <m:t>𝑖</m:t>
+                                  </m:r>
+                                </m:sub>
+                              </m:sSub>
+                              <m:d>
+                                <m:dPr>
+                                  <m:ctrlPr>
+                                    <a:rPr lang="ru-RU" i="1"/>
+                                  </m:ctrlPr>
+                                </m:dPr>
+                                <m:e>
+                                  <m:sSub>
+                                    <m:sSubPr>
+                                      <m:ctrlPr>
+                                        <a:rPr lang="ru-RU" i="1"/>
+                                      </m:ctrlPr>
+                                    </m:sSubPr>
+                                    <m:e>
+                                      <m:r>
+                                        <a:rPr lang="en-US" i="1"/>
+                                        <m:t>𝑡</m:t>
+                                      </m:r>
+                                    </m:e>
+                                    <m:sub>
+                                      <m:r>
+                                        <a:rPr lang="en-US" i="1"/>
+                                        <m:t>𝑖</m:t>
+                                      </m:r>
+                                    </m:sub>
+                                  </m:sSub>
+                                </m:e>
+                              </m:d>
+                            </m:e>
+                          </m:d>
+                        </m:e>
+                        <m:sub>
+                          <m:r>
+                            <a:rPr lang="ru-RU" i="1"/>
+                            <m:t>𝑖</m:t>
+                          </m:r>
+                          <m:r>
+                            <a:rPr lang="ru-RU" i="1"/>
+                            <m:t>=0</m:t>
+                          </m:r>
+                        </m:sub>
+                        <m:sup>
+                          <m:r>
+                            <a:rPr lang="ru-RU" i="1"/>
+                            <m:t>𝑛</m:t>
+                          </m:r>
+                        </m:sup>
+                      </m:sSubSup>
+                    </m:oMath>
+                  </m:oMathPara>
+                </a14:m>
+                <a:endParaRPr lang="en-US" dirty="0" smtClean="0"/>
+              </a:p>
+            </p:txBody>
+          </p:sp>
+        </mc:Choice>
+        <mc:Fallback>
+          <p:sp>
+            <p:nvSpPr>
+              <p:cNvPr id="7" name="Rectangle 6"/>
+              <p:cNvSpPr>
+                <a:spLocks noRot="1" noChangeAspect="1" noMove="1" noResize="1" noEditPoints="1" noAdjustHandles="1" noChangeArrowheads="1" noChangeShapeType="1" noTextEdit="1"/>
+              </p:cNvSpPr>
+              <p:nvPr/>
+            </p:nvSpPr>
+            <p:spPr>
+              <a:xfrm>
+                <a:off x="467544" y="1340767"/>
+                <a:ext cx="1853969" cy="482953"/>
+              </a:xfrm>
+              <a:prstGeom prst="rect">
+                <a:avLst/>
+              </a:prstGeom>
+              <a:blipFill rotWithShape="1">
+                <a:blip r:embed="rId2"/>
+                <a:stretch>
+                  <a:fillRect b="-1266"/>
+                </a:stretch>
+              </a:blipFill>
+            </p:spPr>
+            <p:txBody>
+              <a:bodyPr/>
+              <a:lstStyle/>
+              <a:p>
+                <a:r>
+                  <a:rPr lang="ru-RU">
+                    <a:noFill/>
+                  </a:rPr>
+                  <a:t> </a:t>
+                </a:r>
+              </a:p>
+            </p:txBody>
+          </p:sp>
+        </mc:Fallback>
+      </mc:AlternateContent>
+      <mc:AlternateContent xmlns:mc="http://schemas.openxmlformats.org/markup-compatibility/2006">
+        <mc:Choice xmlns:a14="http://schemas.microsoft.com/office/drawing/2010/main" Requires="a14">
+          <p:sp>
+            <p:nvSpPr>
+              <p:cNvPr id="9" name="Rectangle 8"/>
+              <p:cNvSpPr/>
+              <p:nvPr/>
+            </p:nvSpPr>
+            <p:spPr>
+              <a:xfrm>
+                <a:off x="1784863" y="2132855"/>
+                <a:ext cx="3580211" cy="370551"/>
+              </a:xfrm>
+              <a:prstGeom prst="rect">
+                <a:avLst/>
+              </a:prstGeom>
+            </p:spPr>
+            <p:txBody>
+              <a:bodyPr wrap="none">
+                <a:spAutoFit/>
+              </a:bodyPr>
+              <a:lstStyle/>
+              <a:p>
+                <a14:m>
+                  <m:oMathPara xmlns:m="http://schemas.openxmlformats.org/officeDocument/2006/math">
+                    <m:oMathParaPr>
+                      <m:jc m:val="centerGroup"/>
+                    </m:oMathParaPr>
+                    <m:oMath xmlns:m="http://schemas.openxmlformats.org/officeDocument/2006/math">
+                      <m:sSubSup>
+                        <m:sSubSupPr>
+                          <m:ctrlPr>
+                            <a:rPr lang="ru-RU" i="1">
+                              <a:latin typeface="Cambria Math"/>
+                            </a:rPr>
+                          </m:ctrlPr>
+                        </m:sSubSupPr>
+                        <m:e>
+                          <m:d>
+                            <m:dPr>
+                              <m:begChr m:val="{"/>
+                              <m:endChr m:val="}"/>
+                              <m:ctrlPr>
+                                <a:rPr lang="ru-RU" i="1">
+                                  <a:latin typeface="Cambria Math"/>
+                                </a:rPr>
+                              </m:ctrlPr>
+                            </m:dPr>
+                            <m:e>
+                              <m:sSub>
+                                <m:sSubPr>
+                                  <m:ctrlPr>
+                                    <a:rPr lang="ru-RU" i="1">
+                                      <a:latin typeface="Cambria Math"/>
+                                    </a:rPr>
+                                  </m:ctrlPr>
+                                </m:sSubPr>
+                                <m:e>
+                                  <m:r>
+                                    <a:rPr lang="en-US" i="1">
+                                      <a:latin typeface="Cambria Math"/>
+                                    </a:rPr>
+                                    <m:t>𝑥</m:t>
+                                  </m:r>
+                                  <m:r>
+                                    <a:rPr lang="en-US" i="1">
+                                      <a:latin typeface="Cambria Math"/>
+                                    </a:rPr>
+                                    <m:t>′</m:t>
+                                  </m:r>
+                                </m:e>
+                                <m:sub>
+                                  <m:r>
+                                    <a:rPr lang="en-US" i="1">
+                                      <a:latin typeface="Cambria Math"/>
+                                    </a:rPr>
+                                    <m:t>𝑖</m:t>
+                                  </m:r>
+                                </m:sub>
+                              </m:sSub>
+                              <m:d>
+                                <m:dPr>
+                                  <m:ctrlPr>
+                                    <a:rPr lang="ru-RU" i="1">
+                                      <a:latin typeface="Cambria Math"/>
+                                    </a:rPr>
+                                  </m:ctrlPr>
+                                </m:dPr>
+                                <m:e>
+                                  <m:sSub>
+                                    <m:sSubPr>
+                                      <m:ctrlPr>
+                                        <a:rPr lang="ru-RU" i="1">
+                                          <a:latin typeface="Cambria Math"/>
+                                        </a:rPr>
+                                      </m:ctrlPr>
+                                    </m:sSubPr>
+                                    <m:e>
+                                      <m:r>
+                                        <a:rPr lang="en-US" i="1">
+                                          <a:latin typeface="Cambria Math"/>
+                                        </a:rPr>
+                                        <m:t>𝑡</m:t>
+                                      </m:r>
+                                    </m:e>
+                                    <m:sub>
+                                      <m:r>
+                                        <a:rPr lang="en-US" i="1">
+                                          <a:latin typeface="Cambria Math"/>
+                                        </a:rPr>
+                                        <m:t>𝑖</m:t>
+                                      </m:r>
+                                    </m:sub>
+                                  </m:sSub>
+                                </m:e>
+                              </m:d>
+                              <m:r>
+                                <a:rPr lang="en-US" i="1">
+                                  <a:latin typeface="Cambria Math"/>
+                                </a:rPr>
+                                <m:t>, </m:t>
+                              </m:r>
+                              <m:sSub>
+                                <m:sSubPr>
+                                  <m:ctrlPr>
+                                    <a:rPr lang="ru-RU" i="1">
+                                      <a:latin typeface="Cambria Math"/>
+                                    </a:rPr>
+                                  </m:ctrlPr>
+                                </m:sSubPr>
+                                <m:e>
+                                  <m:r>
+                                    <a:rPr lang="en-US" i="1">
+                                      <a:latin typeface="Cambria Math"/>
+                                    </a:rPr>
+                                    <m:t>𝑦</m:t>
+                                  </m:r>
+                                  <m:r>
+                                    <a:rPr lang="en-US" i="1">
+                                      <a:latin typeface="Cambria Math"/>
+                                    </a:rPr>
+                                    <m:t>′</m:t>
+                                  </m:r>
+                                </m:e>
+                                <m:sub>
+                                  <m:r>
+                                    <a:rPr lang="en-US" i="1">
+                                      <a:latin typeface="Cambria Math"/>
+                                    </a:rPr>
+                                    <m:t>𝑖</m:t>
+                                  </m:r>
+                                </m:sub>
+                              </m:sSub>
+                              <m:d>
+                                <m:dPr>
+                                  <m:ctrlPr>
+                                    <a:rPr lang="ru-RU" i="1">
+                                      <a:latin typeface="Cambria Math"/>
+                                    </a:rPr>
+                                  </m:ctrlPr>
+                                </m:dPr>
+                                <m:e>
+                                  <m:sSub>
+                                    <m:sSubPr>
+                                      <m:ctrlPr>
+                                        <a:rPr lang="ru-RU" i="1">
+                                          <a:latin typeface="Cambria Math"/>
+                                        </a:rPr>
+                                      </m:ctrlPr>
+                                    </m:sSubPr>
+                                    <m:e>
+                                      <m:r>
+                                        <a:rPr lang="en-US" i="1">
+                                          <a:latin typeface="Cambria Math"/>
+                                        </a:rPr>
+                                        <m:t>𝑡</m:t>
+                                      </m:r>
+                                    </m:e>
+                                    <m:sub>
+                                      <m:r>
+                                        <a:rPr lang="en-US" i="1">
+                                          <a:latin typeface="Cambria Math"/>
+                                        </a:rPr>
+                                        <m:t>𝑖</m:t>
+                                      </m:r>
+                                    </m:sub>
+                                  </m:sSub>
+                                </m:e>
+                              </m:d>
+                            </m:e>
+                          </m:d>
+                        </m:e>
+                        <m:sub>
+                          <m:r>
+                            <a:rPr lang="ru-RU" i="1">
+                              <a:latin typeface="Cambria Math"/>
+                            </a:rPr>
+                            <m:t>𝑖</m:t>
+                          </m:r>
+                          <m:r>
+                            <a:rPr lang="ru-RU" i="1">
+                              <a:latin typeface="Cambria Math"/>
+                            </a:rPr>
+                            <m:t>=0</m:t>
+                          </m:r>
+                        </m:sub>
+                        <m:sup>
+                          <m:r>
+                            <a:rPr lang="ru-RU" i="1">
+                              <a:latin typeface="Cambria Math"/>
+                            </a:rPr>
+                            <m:t>𝑛</m:t>
+                          </m:r>
+                        </m:sup>
+                      </m:sSubSup>
+                      <m:r>
+                        <a:rPr lang="ru-RU" i="1">
+                          <a:latin typeface="Cambria Math"/>
+                        </a:rPr>
+                        <m:t>, </m:t>
+                      </m:r>
+                      <m:sSub>
+                        <m:sSubPr>
+                          <m:ctrlPr>
+                            <a:rPr lang="ru-RU" i="1">
+                              <a:latin typeface="Cambria Math"/>
+                            </a:rPr>
+                          </m:ctrlPr>
+                        </m:sSubPr>
+                        <m:e>
+                          <m:r>
+                            <a:rPr lang="ru-RU" i="1">
+                              <a:latin typeface="Cambria Math"/>
+                            </a:rPr>
+                            <m:t>0&lt;</m:t>
+                          </m:r>
+                          <m:r>
+                            <a:rPr lang="ru-RU" i="1">
+                              <a:latin typeface="Cambria Math"/>
+                            </a:rPr>
+                            <m:t>𝑥</m:t>
+                          </m:r>
+                          <m:r>
+                            <a:rPr lang="ru-RU" i="1">
+                              <a:latin typeface="Cambria Math"/>
+                            </a:rPr>
+                            <m:t>′</m:t>
+                          </m:r>
+                        </m:e>
+                        <m:sub>
+                          <m:r>
+                            <a:rPr lang="ru-RU" i="1">
+                              <a:latin typeface="Cambria Math"/>
+                            </a:rPr>
+                            <m:t>𝑖</m:t>
+                          </m:r>
+                        </m:sub>
+                      </m:sSub>
+                      <m:r>
+                        <a:rPr lang="ru-RU" i="1">
+                          <a:latin typeface="Cambria Math"/>
+                        </a:rPr>
+                        <m:t>,</m:t>
+                      </m:r>
+                      <m:sSub>
+                        <m:sSubPr>
+                          <m:ctrlPr>
+                            <a:rPr lang="ru-RU" i="1">
+                              <a:latin typeface="Cambria Math"/>
+                            </a:rPr>
+                          </m:ctrlPr>
+                        </m:sSubPr>
+                        <m:e>
+                          <m:r>
+                            <a:rPr lang="ru-RU" i="1">
+                              <a:latin typeface="Cambria Math"/>
+                            </a:rPr>
+                            <m:t>𝑦</m:t>
+                          </m:r>
+                          <m:r>
+                            <a:rPr lang="ru-RU" i="1">
+                              <a:latin typeface="Cambria Math"/>
+                            </a:rPr>
+                            <m:t>′</m:t>
+                          </m:r>
+                        </m:e>
+                        <m:sub>
+                          <m:r>
+                            <a:rPr lang="ru-RU" i="1">
+                              <a:latin typeface="Cambria Math"/>
+                            </a:rPr>
+                            <m:t>𝑖</m:t>
+                          </m:r>
+                        </m:sub>
+                      </m:sSub>
+                      <m:r>
+                        <a:rPr lang="ru-RU" i="1">
+                          <a:latin typeface="Cambria Math"/>
+                        </a:rPr>
+                        <m:t>&lt;1</m:t>
+                      </m:r>
+                    </m:oMath>
+                  </m:oMathPara>
+                </a14:m>
+                <a:endParaRPr lang="ru-RU" dirty="0"/>
+              </a:p>
+            </p:txBody>
+          </p:sp>
+        </mc:Choice>
+        <mc:Fallback>
+          <p:sp>
+            <p:nvSpPr>
+              <p:cNvPr id="9" name="Rectangle 8"/>
+              <p:cNvSpPr>
+                <a:spLocks noRot="1" noChangeAspect="1" noMove="1" noResize="1" noEditPoints="1" noAdjustHandles="1" noChangeArrowheads="1" noChangeShapeType="1" noTextEdit="1"/>
+              </p:cNvSpPr>
+              <p:nvPr/>
+            </p:nvSpPr>
+            <p:spPr>
+              <a:xfrm>
+                <a:off x="1784863" y="2132855"/>
+                <a:ext cx="3580211" cy="370551"/>
+              </a:xfrm>
+              <a:prstGeom prst="rect">
+                <a:avLst/>
+              </a:prstGeom>
+              <a:blipFill rotWithShape="1">
+                <a:blip r:embed="rId3"/>
+                <a:stretch>
+                  <a:fillRect b="-13115"/>
+                </a:stretch>
+              </a:blipFill>
+            </p:spPr>
+            <p:txBody>
+              <a:bodyPr/>
+              <a:lstStyle/>
+              <a:p>
+                <a:r>
+                  <a:rPr lang="ru-RU">
+                    <a:noFill/>
+                  </a:rPr>
+                  <a:t> </a:t>
+                </a:r>
+              </a:p>
+            </p:txBody>
+          </p:sp>
+        </mc:Fallback>
+      </mc:AlternateContent>
+      <p:cxnSp>
+        <p:nvCxnSpPr>
+          <p:cNvPr id="11" name="Curved Connector 10"/>
+          <p:cNvCxnSpPr>
+            <a:stCxn id="7" idx="2"/>
+            <a:endCxn id="9" idx="1"/>
+          </p:cNvCxnSpPr>
+          <p:nvPr/>
+        </p:nvCxnSpPr>
+        <p:spPr>
+          <a:xfrm rot="16200000" flipH="1">
+            <a:off x="1342491" y="1875758"/>
+            <a:ext cx="494411" cy="390334"/>
+          </a:xfrm>
+          <a:prstGeom prst="curvedConnector2">
+            <a:avLst/>
+          </a:prstGeom>
+          <a:ln w="19050">
+            <a:tailEnd type="arrow"/>
+          </a:ln>
+        </p:spPr>
+        <p:style>
+          <a:lnRef idx="1">
+            <a:schemeClr val="accent1"/>
+          </a:lnRef>
+          <a:fillRef idx="0">
+            <a:schemeClr val="accent1"/>
+          </a:fillRef>
+          <a:effectRef idx="0">
+            <a:schemeClr val="accent1"/>
+          </a:effectRef>
+          <a:fontRef idx="minor">
+            <a:schemeClr val="tx1"/>
+          </a:fontRef>
+        </p:style>
+      </p:cxnSp>
+      <mc:AlternateContent xmlns:mc="http://schemas.openxmlformats.org/markup-compatibility/2006">
+        <mc:Choice xmlns:a14="http://schemas.microsoft.com/office/drawing/2010/main" Requires="a14">
+          <p:sp>
+            <p:nvSpPr>
+              <p:cNvPr id="16" name="Rectangle 15"/>
+              <p:cNvSpPr/>
+              <p:nvPr/>
+            </p:nvSpPr>
+            <p:spPr>
+              <a:xfrm>
+                <a:off x="3084127" y="3115292"/>
+                <a:ext cx="2351092" cy="627416"/>
+              </a:xfrm>
+              <a:prstGeom prst="rect">
+                <a:avLst/>
+              </a:prstGeom>
+            </p:spPr>
+            <p:txBody>
+              <a:bodyPr wrap="none">
+                <a:spAutoFit/>
+              </a:bodyPr>
+              <a:lstStyle/>
+              <a:p>
+                <a14:m>
+                  <m:oMathPara xmlns:m="http://schemas.openxmlformats.org/officeDocument/2006/math">
+                    <m:oMathParaPr>
+                      <m:jc m:val="centerGroup"/>
+                    </m:oMathParaPr>
+                    <m:oMath xmlns:m="http://schemas.openxmlformats.org/officeDocument/2006/math">
+                      <m:d>
+                        <m:dPr>
+                          <m:begChr m:val="{"/>
+                          <m:endChr m:val=""/>
+                          <m:ctrlPr>
+                            <a:rPr lang="ru-RU" i="1"/>
+                          </m:ctrlPr>
+                        </m:dPr>
+                        <m:e>
+                          <m:eqArr>
+                            <m:eqArrPr>
+                              <m:ctrlPr>
+                                <a:rPr lang="ru-RU" i="1"/>
+                              </m:ctrlPr>
+                            </m:eqArrPr>
+                            <m:e>
+                              <m:r>
+                                <a:rPr lang="en-US" i="1"/>
+                                <m:t>𝑥</m:t>
+                              </m:r>
+                              <m:r>
+                                <a:rPr lang="en-US" i="1"/>
+                                <m:t>=</m:t>
+                              </m:r>
+                              <m:r>
+                                <a:rPr lang="en-US" i="1"/>
+                                <m:t>𝑥</m:t>
+                              </m:r>
+                              <m:r>
+                                <a:rPr lang="en-US" i="1"/>
+                                <m:t>(</m:t>
+                              </m:r>
+                              <m:r>
+                                <a:rPr lang="en-US" i="1"/>
+                                <m:t>𝑡</m:t>
+                              </m:r>
+                              <m:r>
+                                <a:rPr lang="en-US" i="1"/>
+                                <m:t>)</m:t>
+                              </m:r>
+                            </m:e>
+                            <m:e>
+                              <m:r>
+                                <a:rPr lang="en-US" i="1"/>
+                                <m:t>𝑦</m:t>
+                              </m:r>
+                              <m:r>
+                                <a:rPr lang="en-US" i="1"/>
+                                <m:t>=</m:t>
+                              </m:r>
+                              <m:r>
+                                <a:rPr lang="en-US" i="1"/>
+                                <m:t>𝑦</m:t>
+                              </m:r>
+                              <m:r>
+                                <a:rPr lang="en-US" i="1"/>
+                                <m:t>(</m:t>
+                              </m:r>
+                              <m:r>
+                                <a:rPr lang="en-US" i="1"/>
+                                <m:t>𝑡</m:t>
+                              </m:r>
+                              <m:r>
+                                <a:rPr lang="en-US" i="1"/>
+                                <m:t>)</m:t>
+                              </m:r>
+                            </m:e>
+                          </m:eqArr>
+                        </m:e>
+                      </m:d>
+                      <m:r>
+                        <a:rPr lang="en-US" i="1"/>
+                        <m:t>, </m:t>
+                      </m:r>
+                      <m:r>
+                        <a:rPr lang="en-US" i="1"/>
+                        <m:t>𝑡</m:t>
+                      </m:r>
+                      <m:r>
+                        <a:rPr lang="en-US" i="1"/>
+                        <m:t>∈</m:t>
+                      </m:r>
+                      <m:d>
+                        <m:dPr>
+                          <m:begChr m:val="["/>
+                          <m:endChr m:val="]"/>
+                          <m:ctrlPr>
+                            <a:rPr lang="ru-RU" i="1"/>
+                          </m:ctrlPr>
+                        </m:dPr>
+                        <m:e>
+                          <m:sSub>
+                            <m:sSubPr>
+                              <m:ctrlPr>
+                                <a:rPr lang="ru-RU" i="1"/>
+                              </m:ctrlPr>
+                            </m:sSubPr>
+                            <m:e>
+                              <m:r>
+                                <a:rPr lang="en-US" i="1"/>
+                                <m:t>𝑡</m:t>
+                              </m:r>
+                            </m:e>
+                            <m:sub>
+                              <m:r>
+                                <a:rPr lang="en-US" i="1"/>
+                                <m:t>0</m:t>
+                              </m:r>
+                            </m:sub>
+                          </m:sSub>
+                          <m:r>
+                            <a:rPr lang="en-US" i="1"/>
+                            <m:t>,</m:t>
+                          </m:r>
+                          <m:sSub>
+                            <m:sSubPr>
+                              <m:ctrlPr>
+                                <a:rPr lang="ru-RU" i="1"/>
+                              </m:ctrlPr>
+                            </m:sSubPr>
+                            <m:e>
+                              <m:r>
+                                <a:rPr lang="en-US" i="1"/>
+                                <m:t>𝑡</m:t>
+                              </m:r>
+                            </m:e>
+                            <m:sub>
+                              <m:r>
+                                <a:rPr lang="en-US" i="1"/>
+                                <m:t>𝑛</m:t>
+                              </m:r>
+                            </m:sub>
+                          </m:sSub>
+                          <m:r>
+                            <a:rPr lang="en-US" i="1"/>
+                            <m:t> </m:t>
+                          </m:r>
+                        </m:e>
+                      </m:d>
+                    </m:oMath>
+                  </m:oMathPara>
+                </a14:m>
+                <a:endParaRPr lang="ru-RU" dirty="0"/>
+              </a:p>
+            </p:txBody>
+          </p:sp>
+        </mc:Choice>
+        <mc:Fallback>
+          <p:sp>
+            <p:nvSpPr>
+              <p:cNvPr id="16" name="Rectangle 15"/>
+              <p:cNvSpPr>
+                <a:spLocks noRot="1" noChangeAspect="1" noMove="1" noResize="1" noEditPoints="1" noAdjustHandles="1" noChangeArrowheads="1" noChangeShapeType="1" noTextEdit="1"/>
+              </p:cNvSpPr>
+              <p:nvPr/>
+            </p:nvSpPr>
+            <p:spPr>
+              <a:xfrm>
+                <a:off x="3084127" y="3115292"/>
+                <a:ext cx="2351092" cy="627416"/>
+              </a:xfrm>
+              <a:prstGeom prst="rect">
+                <a:avLst/>
+              </a:prstGeom>
+              <a:blipFill rotWithShape="1">
+                <a:blip r:embed="rId4"/>
+                <a:stretch>
+                  <a:fillRect/>
+                </a:stretch>
+              </a:blipFill>
+            </p:spPr>
+            <p:txBody>
+              <a:bodyPr/>
+              <a:lstStyle/>
+              <a:p>
+                <a:r>
+                  <a:rPr lang="ru-RU">
+                    <a:noFill/>
+                  </a:rPr>
+                  <a:t> </a:t>
+                </a:r>
+              </a:p>
+            </p:txBody>
+          </p:sp>
+        </mc:Fallback>
+      </mc:AlternateContent>
+      <p:cxnSp>
+        <p:nvCxnSpPr>
+          <p:cNvPr id="18" name="Curved Connector 17"/>
+          <p:cNvCxnSpPr>
+            <a:stCxn id="9" idx="2"/>
+            <a:endCxn id="16" idx="1"/>
+          </p:cNvCxnSpPr>
+          <p:nvPr/>
+        </p:nvCxnSpPr>
+        <p:spPr>
+          <a:xfrm rot="5400000">
+            <a:off x="2866751" y="2720782"/>
+            <a:ext cx="925594" cy="490842"/>
+          </a:xfrm>
+          <a:prstGeom prst="curvedConnector4">
+            <a:avLst>
+              <a:gd name="adj1" fmla="val 33054"/>
+              <a:gd name="adj2" fmla="val 146573"/>
+            </a:avLst>
+          </a:prstGeom>
+          <a:ln w="19050">
+            <a:tailEnd type="arrow"/>
+          </a:ln>
+        </p:spPr>
+        <p:style>
+          <a:lnRef idx="1">
+            <a:schemeClr val="accent1"/>
+          </a:lnRef>
+          <a:fillRef idx="0">
+            <a:schemeClr val="accent1"/>
+          </a:fillRef>
+          <a:effectRef idx="0">
+            <a:schemeClr val="accent1"/>
+          </a:effectRef>
+          <a:fontRef idx="minor">
+            <a:schemeClr val="tx1"/>
+          </a:fontRef>
+        </p:style>
+      </p:cxnSp>
+      <mc:AlternateContent xmlns:mc="http://schemas.openxmlformats.org/markup-compatibility/2006">
+        <mc:Choice xmlns:a14="http://schemas.microsoft.com/office/drawing/2010/main" Requires="a14">
+          <p:sp>
+            <p:nvSpPr>
+              <p:cNvPr id="19" name="Rectangle 18"/>
+              <p:cNvSpPr/>
+              <p:nvPr/>
+            </p:nvSpPr>
+            <p:spPr>
+              <a:xfrm>
+                <a:off x="4644008" y="4213075"/>
+                <a:ext cx="2242217" cy="627416"/>
+              </a:xfrm>
+              <a:prstGeom prst="rect">
+                <a:avLst/>
+              </a:prstGeom>
+            </p:spPr>
+            <p:txBody>
+              <a:bodyPr wrap="none">
+                <a:spAutoFit/>
+              </a:bodyPr>
+              <a:lstStyle/>
+              <a:p>
+                <a14:m>
+                  <m:oMathPara xmlns:m="http://schemas.openxmlformats.org/officeDocument/2006/math">
+                    <m:oMathParaPr>
+                      <m:jc m:val="centerGroup"/>
+                    </m:oMathParaPr>
+                    <m:oMath xmlns:m="http://schemas.openxmlformats.org/officeDocument/2006/math">
+                      <m:d>
+                        <m:dPr>
+                          <m:begChr m:val="{"/>
+                          <m:endChr m:val=""/>
+                          <m:ctrlPr>
+                            <a:rPr lang="ru-RU" i="1"/>
+                          </m:ctrlPr>
+                        </m:dPr>
+                        <m:e>
+                          <m:eqArr>
+                            <m:eqArrPr>
+                              <m:ctrlPr>
+                                <a:rPr lang="ru-RU" i="1"/>
+                              </m:ctrlPr>
+                            </m:eqArrPr>
+                            <m:e>
+                              <m:r>
+                                <a:rPr lang="en-US" i="1"/>
+                                <m:t>𝑥</m:t>
+                              </m:r>
+                              <m:r>
+                                <a:rPr lang="en-US" i="1"/>
+                                <m:t>=</m:t>
+                              </m:r>
+                              <m:r>
+                                <a:rPr lang="en-US" i="1"/>
+                                <m:t>𝑥</m:t>
+                              </m:r>
+                              <m:r>
+                                <a:rPr lang="en-US" i="1"/>
+                                <m:t>(</m:t>
+                              </m:r>
+                              <m:r>
+                                <a:rPr lang="en-US" i="1"/>
+                                <m:t>𝑠</m:t>
+                              </m:r>
+                              <m:r>
+                                <a:rPr lang="en-US" i="1"/>
+                                <m:t>)</m:t>
+                              </m:r>
+                            </m:e>
+                            <m:e>
+                              <m:r>
+                                <a:rPr lang="en-US" i="1"/>
+                                <m:t>𝑦</m:t>
+                              </m:r>
+                              <m:r>
+                                <a:rPr lang="en-US" i="1"/>
+                                <m:t>=</m:t>
+                              </m:r>
+                              <m:r>
+                                <a:rPr lang="en-US" i="1"/>
+                                <m:t>𝑦</m:t>
+                              </m:r>
+                              <m:r>
+                                <a:rPr lang="en-US" i="1"/>
+                                <m:t>(</m:t>
+                              </m:r>
+                              <m:r>
+                                <a:rPr lang="en-US" i="1"/>
+                                <m:t>𝑠</m:t>
+                              </m:r>
+                              <m:r>
+                                <a:rPr lang="en-US" i="1"/>
+                                <m:t>)</m:t>
+                              </m:r>
+                            </m:e>
+                          </m:eqArr>
+                        </m:e>
+                      </m:d>
+                      <m:r>
+                        <a:rPr lang="en-US" i="1"/>
+                        <m:t>, </m:t>
+                      </m:r>
+                      <m:r>
+                        <a:rPr lang="en-US" i="1"/>
+                        <m:t>𝑠</m:t>
+                      </m:r>
+                      <m:r>
+                        <a:rPr lang="en-US" i="1"/>
+                        <m:t>∈</m:t>
+                      </m:r>
+                      <m:d>
+                        <m:dPr>
+                          <m:begChr m:val="["/>
+                          <m:endChr m:val="]"/>
+                          <m:ctrlPr>
+                            <a:rPr lang="ru-RU" i="1"/>
+                          </m:ctrlPr>
+                        </m:dPr>
+                        <m:e>
+                          <m:r>
+                            <a:rPr lang="en-US" i="1"/>
+                            <m:t>0,</m:t>
+                          </m:r>
+                          <m:r>
+                            <a:rPr lang="en-US" i="1"/>
+                            <m:t>𝑆</m:t>
+                          </m:r>
+                          <m:r>
+                            <a:rPr lang="en-US" i="1"/>
+                            <m:t> </m:t>
+                          </m:r>
+                        </m:e>
+                      </m:d>
+                    </m:oMath>
+                  </m:oMathPara>
+                </a14:m>
+                <a:endParaRPr lang="ru-RU" dirty="0"/>
+              </a:p>
+            </p:txBody>
+          </p:sp>
+        </mc:Choice>
+        <mc:Fallback>
+          <p:sp>
+            <p:nvSpPr>
+              <p:cNvPr id="19" name="Rectangle 18"/>
+              <p:cNvSpPr>
+                <a:spLocks noRot="1" noChangeAspect="1" noMove="1" noResize="1" noEditPoints="1" noAdjustHandles="1" noChangeArrowheads="1" noChangeShapeType="1" noTextEdit="1"/>
+              </p:cNvSpPr>
+              <p:nvPr/>
+            </p:nvSpPr>
+            <p:spPr>
+              <a:xfrm>
+                <a:off x="4644008" y="4213075"/>
+                <a:ext cx="2242217" cy="627416"/>
+              </a:xfrm>
+              <a:prstGeom prst="rect">
+                <a:avLst/>
+              </a:prstGeom>
+              <a:blipFill rotWithShape="1">
+                <a:blip r:embed="rId5"/>
+                <a:stretch>
+                  <a:fillRect/>
+                </a:stretch>
+              </a:blipFill>
+            </p:spPr>
+            <p:txBody>
+              <a:bodyPr/>
+              <a:lstStyle/>
+              <a:p>
+                <a:r>
+                  <a:rPr lang="ru-RU">
+                    <a:noFill/>
+                  </a:rPr>
+                  <a:t> </a:t>
+                </a:r>
+              </a:p>
+            </p:txBody>
+          </p:sp>
+        </mc:Fallback>
+      </mc:AlternateContent>
+      <p:cxnSp>
+        <p:nvCxnSpPr>
+          <p:cNvPr id="21" name="Curved Connector 20"/>
+          <p:cNvCxnSpPr>
+            <a:stCxn id="16" idx="2"/>
+            <a:endCxn id="19" idx="1"/>
+          </p:cNvCxnSpPr>
+          <p:nvPr/>
+        </p:nvCxnSpPr>
+        <p:spPr>
+          <a:xfrm rot="16200000" flipH="1">
+            <a:off x="4059803" y="3942577"/>
+            <a:ext cx="784075" cy="384335"/>
+          </a:xfrm>
+          <a:prstGeom prst="curvedConnector2">
+            <a:avLst/>
+          </a:prstGeom>
+          <a:ln w="19050">
+            <a:tailEnd type="arrow"/>
+          </a:ln>
+        </p:spPr>
+        <p:style>
+          <a:lnRef idx="1">
+            <a:schemeClr val="accent1"/>
+          </a:lnRef>
+          <a:fillRef idx="0">
+            <a:schemeClr val="accent1"/>
+          </a:fillRef>
+          <a:effectRef idx="0">
+            <a:schemeClr val="accent1"/>
+          </a:effectRef>
+          <a:fontRef idx="minor">
+            <a:schemeClr val="tx1"/>
+          </a:fontRef>
+        </p:style>
+      </p:cxnSp>
+      <mc:AlternateContent xmlns:mc="http://schemas.openxmlformats.org/markup-compatibility/2006">
+        <mc:Choice xmlns:a14="http://schemas.microsoft.com/office/drawing/2010/main" Requires="a14">
+          <p:sp>
+            <p:nvSpPr>
+              <p:cNvPr id="24" name="Rectangle 23"/>
+              <p:cNvSpPr/>
+              <p:nvPr/>
+            </p:nvSpPr>
+            <p:spPr>
+              <a:xfrm>
+                <a:off x="6218309" y="5344980"/>
+                <a:ext cx="2566472" cy="520463"/>
+              </a:xfrm>
+              <a:prstGeom prst="rect">
+                <a:avLst/>
+              </a:prstGeom>
+            </p:spPr>
+            <p:txBody>
+              <a:bodyPr wrap="none">
+                <a:spAutoFit/>
+              </a:bodyPr>
+              <a:lstStyle/>
+              <a:p>
+                <a14:m>
+                  <m:oMathPara xmlns:m="http://schemas.openxmlformats.org/officeDocument/2006/math">
+                    <m:oMathParaPr>
+                      <m:jc m:val="centerGroup"/>
+                    </m:oMathParaPr>
+                    <m:oMath xmlns:m="http://schemas.openxmlformats.org/officeDocument/2006/math">
+                      <m:sSubSup>
+                        <m:sSubSupPr>
+                          <m:ctrlPr>
+                            <a:rPr lang="ru-RU" i="1"/>
+                          </m:ctrlPr>
+                        </m:sSubSupPr>
+                        <m:e>
+                          <m:d>
+                            <m:dPr>
+                              <m:begChr m:val="{"/>
+                              <m:endChr m:val="}"/>
+                              <m:ctrlPr>
+                                <a:rPr lang="ru-RU" i="1"/>
+                              </m:ctrlPr>
+                            </m:dPr>
+                            <m:e>
+                              <m:sSub>
+                                <m:sSubPr>
+                                  <m:ctrlPr>
+                                    <a:rPr lang="ru-RU" i="1"/>
+                                  </m:ctrlPr>
+                                </m:sSubPr>
+                                <m:e>
+                                  <m:r>
+                                    <a:rPr lang="en-US" i="1"/>
+                                    <m:t>𝑥</m:t>
+                                  </m:r>
+                                </m:e>
+                                <m:sub>
+                                  <m:r>
+                                    <a:rPr lang="en-US" i="1"/>
+                                    <m:t>𝑖</m:t>
+                                  </m:r>
+                                </m:sub>
+                              </m:sSub>
+                              <m:d>
+                                <m:dPr>
+                                  <m:ctrlPr>
+                                    <a:rPr lang="ru-RU" i="1"/>
+                                  </m:ctrlPr>
+                                </m:dPr>
+                                <m:e>
+                                  <m:sSub>
+                                    <m:sSubPr>
+                                      <m:ctrlPr>
+                                        <a:rPr lang="ru-RU" i="1"/>
+                                      </m:ctrlPr>
+                                    </m:sSubPr>
+                                    <m:e>
+                                      <m:r>
+                                        <a:rPr lang="en-US" i="1"/>
+                                        <m:t>𝑠</m:t>
+                                      </m:r>
+                                    </m:e>
+                                    <m:sub>
+                                      <m:r>
+                                        <a:rPr lang="en-US" i="1"/>
+                                        <m:t>𝑖</m:t>
+                                      </m:r>
+                                    </m:sub>
+                                  </m:sSub>
+                                </m:e>
+                              </m:d>
+                              <m:r>
+                                <a:rPr lang="en-US" i="1"/>
+                                <m:t>, </m:t>
+                              </m:r>
+                              <m:sSub>
+                                <m:sSubPr>
+                                  <m:ctrlPr>
+                                    <a:rPr lang="ru-RU" i="1"/>
+                                  </m:ctrlPr>
+                                </m:sSubPr>
+                                <m:e>
+                                  <m:r>
+                                    <a:rPr lang="en-US" i="1"/>
+                                    <m:t>𝑦</m:t>
+                                  </m:r>
+                                </m:e>
+                                <m:sub>
+                                  <m:r>
+                                    <a:rPr lang="en-US" i="1"/>
+                                    <m:t>𝑖</m:t>
+                                  </m:r>
+                                </m:sub>
+                              </m:sSub>
+                              <m:r>
+                                <a:rPr lang="en-US" i="1"/>
+                                <m:t>(</m:t>
+                              </m:r>
+                              <m:sSub>
+                                <m:sSubPr>
+                                  <m:ctrlPr>
+                                    <a:rPr lang="ru-RU" i="1"/>
+                                  </m:ctrlPr>
+                                </m:sSubPr>
+                                <m:e>
+                                  <m:r>
+                                    <a:rPr lang="en-US" i="1"/>
+                                    <m:t>𝑠</m:t>
+                                  </m:r>
+                                </m:e>
+                                <m:sub>
+                                  <m:r>
+                                    <a:rPr lang="en-US" i="1"/>
+                                    <m:t>𝑖</m:t>
+                                  </m:r>
+                                </m:sub>
+                              </m:sSub>
+                              <m:r>
+                                <a:rPr lang="en-US" i="1"/>
+                                <m:t>)</m:t>
+                              </m:r>
+                            </m:e>
+                          </m:d>
+                        </m:e>
+                        <m:sub>
+                          <m:r>
+                            <a:rPr lang="en-US" i="1"/>
+                            <m:t>𝑖</m:t>
+                          </m:r>
+                          <m:r>
+                            <a:rPr lang="en-US" i="1"/>
+                            <m:t>=1</m:t>
+                          </m:r>
+                        </m:sub>
+                        <m:sup>
+                          <m:r>
+                            <a:rPr lang="en-US" i="1"/>
+                            <m:t>𝑘</m:t>
+                          </m:r>
+                        </m:sup>
+                      </m:sSubSup>
+                      <m:r>
+                        <a:rPr lang="en-US" i="1"/>
+                        <m:t>, </m:t>
+                      </m:r>
+                      <m:r>
+                        <a:rPr lang="en-US" i="1"/>
+                        <m:t>𝑘</m:t>
+                      </m:r>
+                      <m:r>
+                        <a:rPr lang="en-US" i="1"/>
+                        <m:t>≪</m:t>
+                      </m:r>
+                      <m:r>
+                        <a:rPr lang="en-US" i="1"/>
+                        <m:t>𝑛</m:t>
+                      </m:r>
+                    </m:oMath>
+                  </m:oMathPara>
+                </a14:m>
+                <a:endParaRPr lang="ru-RU" dirty="0"/>
+              </a:p>
+            </p:txBody>
+          </p:sp>
+        </mc:Choice>
+        <mc:Fallback>
+          <p:sp>
+            <p:nvSpPr>
+              <p:cNvPr id="24" name="Rectangle 23"/>
+              <p:cNvSpPr>
+                <a:spLocks noRot="1" noChangeAspect="1" noMove="1" noResize="1" noEditPoints="1" noAdjustHandles="1" noChangeArrowheads="1" noChangeShapeType="1" noTextEdit="1"/>
+              </p:cNvSpPr>
+              <p:nvPr/>
+            </p:nvSpPr>
+            <p:spPr>
+              <a:xfrm>
+                <a:off x="6218309" y="5344980"/>
+                <a:ext cx="2566472" cy="520463"/>
+              </a:xfrm>
+              <a:prstGeom prst="rect">
+                <a:avLst/>
+              </a:prstGeom>
+              <a:blipFill rotWithShape="1">
+                <a:blip r:embed="rId6"/>
+                <a:stretch>
+                  <a:fillRect b="-1176"/>
+                </a:stretch>
+              </a:blipFill>
+            </p:spPr>
+            <p:txBody>
+              <a:bodyPr/>
+              <a:lstStyle/>
+              <a:p>
+                <a:r>
+                  <a:rPr lang="ru-RU">
+                    <a:noFill/>
+                  </a:rPr>
+                  <a:t> </a:t>
+                </a:r>
+              </a:p>
+            </p:txBody>
+          </p:sp>
+        </mc:Fallback>
+      </mc:AlternateContent>
+      <p:cxnSp>
+        <p:nvCxnSpPr>
+          <p:cNvPr id="26" name="Curved Connector 25"/>
+          <p:cNvCxnSpPr>
+            <a:stCxn id="19" idx="2"/>
+            <a:endCxn id="24" idx="1"/>
+          </p:cNvCxnSpPr>
+          <p:nvPr/>
+        </p:nvCxnSpPr>
+        <p:spPr>
+          <a:xfrm rot="16200000" flipH="1">
+            <a:off x="5609353" y="4996255"/>
+            <a:ext cx="764721" cy="453192"/>
+          </a:xfrm>
+          <a:prstGeom prst="curvedConnector2">
+            <a:avLst/>
+          </a:prstGeom>
+          <a:ln w="19050">
+            <a:tailEnd type="arrow"/>
+          </a:ln>
+        </p:spPr>
+        <p:style>
+          <a:lnRef idx="1">
+            <a:schemeClr val="accent1"/>
+          </a:lnRef>
+          <a:fillRef idx="0">
+            <a:schemeClr val="accent1"/>
+          </a:fillRef>
+          <a:effectRef idx="0">
+            <a:schemeClr val="accent1"/>
+          </a:effectRef>
+          <a:fontRef idx="minor">
+            <a:schemeClr val="tx1"/>
+          </a:fontRef>
+        </p:style>
+      </p:cxnSp>
+    </p:spTree>
+    <p:extLst>
+      <p:ext uri="{BB962C8B-B14F-4D97-AF65-F5344CB8AC3E}">
+        <p14:creationId xmlns:p14="http://schemas.microsoft.com/office/powerpoint/2010/main" val="1707759164"/>
+      </p:ext>
+    </p:extLst>
+  </p:cSld>
+  <p:clrMapOvr>
+    <a:masterClrMapping/>
+  </p:clrMapOvr>
+</p:sld>
+</file>
+
+<file path=ppt/slides/slide4.xml><?xml version="1.0" encoding="utf-8"?>
+<p:sld xmlns:a="http://schemas.openxmlformats.org/drawingml/2006/main" xmlns:r="http://schemas.openxmlformats.org/officeDocument/2006/relationships" xmlns:p="http://schemas.openxmlformats.org/presentationml/2006/main">
+  <p:cSld>
+    <p:spTree>
+      <p:nvGrpSpPr>
+        <p:cNvPr id="1" name=""/>
+        <p:cNvGrpSpPr/>
+        <p:nvPr/>
+      </p:nvGrpSpPr>
+      <p:grpSpPr>
+        <a:xfrm>
+          <a:off x="0" y="0"/>
+          <a:ext cx="0" cy="0"/>
+          <a:chOff x="0" y="0"/>
+          <a:chExt cx="0" cy="0"/>
+        </a:xfrm>
+      </p:grpSpPr>
+      <p:sp>
+        <p:nvSpPr>
+          <p:cNvPr id="2" name="Title 1"/>
+          <p:cNvSpPr>
+            <a:spLocks noGrp="1"/>
+          </p:cNvSpPr>
+          <p:nvPr>
+            <p:ph type="title"/>
+          </p:nvPr>
+        </p:nvSpPr>
+        <p:spPr/>
+        <p:txBody>
+          <a:bodyPr>
+            <a:normAutofit fontScale="90000"/>
+          </a:bodyPr>
+          <a:lstStyle/>
+          <a:p>
+            <a:r>
+              <a:rPr lang="ru-RU" dirty="0" smtClean="0"/>
+              <a:t>Общий алгоритм сопоставления подписей</a:t>
+            </a:r>
+            <a:endParaRPr lang="ru-RU" dirty="0"/>
+          </a:p>
+        </p:txBody>
+      </p:sp>
+      <p:sp>
+        <p:nvSpPr>
+          <p:cNvPr id="3" name="Slide Number Placeholder 2"/>
+          <p:cNvSpPr>
+            <a:spLocks noGrp="1"/>
+          </p:cNvSpPr>
+          <p:nvPr>
+            <p:ph type="sldNum" sz="quarter" idx="12"/>
+          </p:nvPr>
+        </p:nvSpPr>
+        <p:spPr/>
+        <p:txBody>
+          <a:bodyPr/>
+          <a:lstStyle/>
+          <a:p>
+            <a:fld id="{50996AF7-1824-4C33-83B5-5666EA84AEE3}" type="slidenum">
+              <a:rPr lang="ru-RU" smtClean="0"/>
+              <a:t>4</a:t>
+            </a:fld>
+            <a:endParaRPr lang="ru-RU"/>
+          </a:p>
+        </p:txBody>
+      </p:sp>
+      <p:sp>
+        <p:nvSpPr>
+          <p:cNvPr id="4" name="TextBox 3"/>
+          <p:cNvSpPr txBox="1"/>
+          <p:nvPr/>
+        </p:nvSpPr>
+        <p:spPr>
+          <a:xfrm>
+            <a:off x="611560" y="1700808"/>
+            <a:ext cx="2736304" cy="369332"/>
+          </a:xfrm>
+          <a:prstGeom prst="rect">
+            <a:avLst/>
+          </a:prstGeom>
+          <a:noFill/>
+          <a:ln>
+            <a:solidFill>
+              <a:schemeClr val="accent1">
+                <a:lumMod val="75000"/>
+              </a:schemeClr>
+            </a:solidFill>
+          </a:ln>
+        </p:spPr>
+        <p:txBody>
+          <a:bodyPr wrap="square" rtlCol="0">
+            <a:spAutoFit/>
+          </a:bodyPr>
+          <a:lstStyle/>
+          <a:p>
+            <a:r>
+              <a:rPr lang="ru-RU" dirty="0" smtClean="0"/>
+              <a:t>Сопоставление подписей</a:t>
+            </a:r>
+            <a:endParaRPr lang="ru-RU" dirty="0"/>
+          </a:p>
+        </p:txBody>
+      </p:sp>
+      <p:sp>
+        <p:nvSpPr>
+          <p:cNvPr id="5" name="TextBox 4"/>
+          <p:cNvSpPr txBox="1"/>
+          <p:nvPr/>
+        </p:nvSpPr>
+        <p:spPr>
+          <a:xfrm>
+            <a:off x="2555776" y="3068960"/>
+            <a:ext cx="3240360" cy="369332"/>
+          </a:xfrm>
+          <a:prstGeom prst="rect">
+            <a:avLst/>
+          </a:prstGeom>
+          <a:noFill/>
+          <a:ln>
+            <a:solidFill>
+              <a:schemeClr val="accent1">
+                <a:lumMod val="75000"/>
+              </a:schemeClr>
+            </a:solidFill>
+          </a:ln>
+        </p:spPr>
+        <p:txBody>
+          <a:bodyPr wrap="square" rtlCol="0">
+            <a:spAutoFit/>
+          </a:bodyPr>
+          <a:lstStyle/>
+          <a:p>
+            <a:r>
+              <a:rPr lang="ru-RU" dirty="0" smtClean="0"/>
+              <a:t>Анализ структуры траектории</a:t>
+            </a:r>
+            <a:endParaRPr lang="ru-RU" dirty="0"/>
+          </a:p>
+        </p:txBody>
+      </p:sp>
+      <p:sp>
+        <p:nvSpPr>
+          <p:cNvPr id="6" name="TextBox 5"/>
+          <p:cNvSpPr txBox="1"/>
+          <p:nvPr/>
+        </p:nvSpPr>
+        <p:spPr>
+          <a:xfrm>
+            <a:off x="4968044" y="4637167"/>
+            <a:ext cx="3240360" cy="369332"/>
+          </a:xfrm>
+          <a:prstGeom prst="rect">
+            <a:avLst/>
+          </a:prstGeom>
+          <a:noFill/>
+          <a:ln>
+            <a:solidFill>
+              <a:schemeClr val="accent1">
+                <a:lumMod val="75000"/>
+              </a:schemeClr>
+            </a:solidFill>
+          </a:ln>
+        </p:spPr>
+        <p:txBody>
+          <a:bodyPr wrap="square" rtlCol="0">
+            <a:spAutoFit/>
+          </a:bodyPr>
+          <a:lstStyle/>
+          <a:p>
+            <a:r>
+              <a:rPr lang="ru-RU" dirty="0" smtClean="0"/>
+              <a:t>Анализ формы траектории</a:t>
+            </a:r>
+            <a:endParaRPr lang="ru-RU" dirty="0"/>
+          </a:p>
+        </p:txBody>
+      </p:sp>
+      <p:sp>
+        <p:nvSpPr>
+          <p:cNvPr id="7" name="TextBox 6"/>
+          <p:cNvSpPr txBox="1"/>
+          <p:nvPr/>
+        </p:nvSpPr>
+        <p:spPr>
+          <a:xfrm>
+            <a:off x="4572000" y="4032956"/>
+            <a:ext cx="4320480" cy="369332"/>
+          </a:xfrm>
+          <a:prstGeom prst="rect">
+            <a:avLst/>
+          </a:prstGeom>
+          <a:noFill/>
+          <a:ln>
+            <a:solidFill>
+              <a:schemeClr val="accent3">
+                <a:lumMod val="75000"/>
+              </a:schemeClr>
+            </a:solidFill>
+            <a:prstDash val="dash"/>
+          </a:ln>
+        </p:spPr>
+        <p:txBody>
+          <a:bodyPr wrap="square" rtlCol="0">
+            <a:spAutoFit/>
+          </a:bodyPr>
+          <a:lstStyle/>
+          <a:p>
+            <a:r>
+              <a:rPr lang="ru-RU" dirty="0" smtClean="0"/>
+              <a:t>Карта соответствий экстремальных точек</a:t>
+            </a:r>
+            <a:endParaRPr lang="ru-RU" dirty="0"/>
+          </a:p>
+        </p:txBody>
+      </p:sp>
+      <p:sp>
+        <p:nvSpPr>
+          <p:cNvPr id="8" name="TextBox 7"/>
+          <p:cNvSpPr txBox="1"/>
+          <p:nvPr/>
+        </p:nvSpPr>
+        <p:spPr>
+          <a:xfrm>
+            <a:off x="2267744" y="2477216"/>
+            <a:ext cx="4320480" cy="369332"/>
+          </a:xfrm>
+          <a:prstGeom prst="rect">
+            <a:avLst/>
+          </a:prstGeom>
+          <a:noFill/>
+          <a:ln>
+            <a:solidFill>
+              <a:schemeClr val="accent3">
+                <a:lumMod val="75000"/>
+              </a:schemeClr>
+            </a:solidFill>
+            <a:prstDash val="dash"/>
+          </a:ln>
+        </p:spPr>
+        <p:txBody>
+          <a:bodyPr wrap="square" rtlCol="0">
+            <a:spAutoFit/>
+          </a:bodyPr>
+          <a:lstStyle/>
+          <a:p>
+            <a:r>
+              <a:rPr lang="ru-RU" dirty="0" smtClean="0"/>
+              <a:t>Подписи для сопоставления</a:t>
+            </a:r>
+            <a:endParaRPr lang="ru-RU" dirty="0"/>
+          </a:p>
+        </p:txBody>
+      </p:sp>
+      <p:cxnSp>
+        <p:nvCxnSpPr>
+          <p:cNvPr id="10" name="Curved Connector 9"/>
+          <p:cNvCxnSpPr>
+            <a:stCxn id="4" idx="2"/>
+            <a:endCxn id="5" idx="1"/>
+          </p:cNvCxnSpPr>
+          <p:nvPr/>
+        </p:nvCxnSpPr>
+        <p:spPr>
+          <a:xfrm rot="16200000" flipH="1">
+            <a:off x="1676001" y="2373851"/>
+            <a:ext cx="1183486" cy="576064"/>
+          </a:xfrm>
+          <a:prstGeom prst="curvedConnector2">
+            <a:avLst/>
+          </a:prstGeom>
+          <a:ln>
+            <a:tailEnd type="arrow"/>
+          </a:ln>
+        </p:spPr>
+        <p:style>
+          <a:lnRef idx="1">
+            <a:schemeClr val="accent1"/>
+          </a:lnRef>
+          <a:fillRef idx="0">
+            <a:schemeClr val="accent1"/>
+          </a:fillRef>
+          <a:effectRef idx="0">
+            <a:schemeClr val="accent1"/>
+          </a:effectRef>
+          <a:fontRef idx="minor">
+            <a:schemeClr val="tx1"/>
+          </a:fontRef>
+        </p:style>
+      </p:cxnSp>
+      <p:cxnSp>
+        <p:nvCxnSpPr>
+          <p:cNvPr id="13" name="Curved Connector 12"/>
+          <p:cNvCxnSpPr>
+            <a:stCxn id="5" idx="2"/>
+            <a:endCxn id="6" idx="1"/>
+          </p:cNvCxnSpPr>
+          <p:nvPr/>
+        </p:nvCxnSpPr>
+        <p:spPr>
+          <a:xfrm rot="16200000" flipH="1">
+            <a:off x="3880230" y="3734018"/>
+            <a:ext cx="1383541" cy="792088"/>
+          </a:xfrm>
+          <a:prstGeom prst="curvedConnector2">
+            <a:avLst/>
+          </a:prstGeom>
+          <a:ln>
+            <a:tailEnd type="arrow"/>
+          </a:ln>
+        </p:spPr>
+        <p:style>
+          <a:lnRef idx="1">
+            <a:schemeClr val="accent1"/>
+          </a:lnRef>
+          <a:fillRef idx="0">
+            <a:schemeClr val="accent1"/>
+          </a:fillRef>
+          <a:effectRef idx="0">
+            <a:schemeClr val="accent1"/>
+          </a:effectRef>
+          <a:fontRef idx="minor">
+            <a:schemeClr val="tx1"/>
+          </a:fontRef>
+        </p:style>
+      </p:cxnSp>
+      <p:sp>
+        <p:nvSpPr>
+          <p:cNvPr id="16" name="TextBox 15"/>
+          <p:cNvSpPr txBox="1"/>
+          <p:nvPr/>
+        </p:nvSpPr>
+        <p:spPr>
+          <a:xfrm>
+            <a:off x="7095679" y="5325486"/>
+            <a:ext cx="1796801" cy="646331"/>
+          </a:xfrm>
+          <a:prstGeom prst="rect">
+            <a:avLst/>
+          </a:prstGeom>
+          <a:noFill/>
+          <a:ln>
+            <a:solidFill>
+              <a:schemeClr val="accent3">
+                <a:lumMod val="75000"/>
+              </a:schemeClr>
+            </a:solidFill>
+            <a:prstDash val="dash"/>
+          </a:ln>
+        </p:spPr>
+        <p:txBody>
+          <a:bodyPr wrap="square" rtlCol="0">
+            <a:spAutoFit/>
+          </a:bodyPr>
+          <a:lstStyle/>
+          <a:p>
+            <a:r>
+              <a:rPr lang="ru-RU" dirty="0" smtClean="0"/>
+              <a:t>Штрафы</a:t>
+            </a:r>
+            <a:br>
+              <a:rPr lang="ru-RU" dirty="0" smtClean="0"/>
+            </a:br>
+            <a:r>
+              <a:rPr lang="ru-RU" dirty="0" smtClean="0"/>
+              <a:t>сопоставления</a:t>
+            </a:r>
+            <a:endParaRPr lang="ru-RU" dirty="0"/>
+          </a:p>
+        </p:txBody>
+      </p:sp>
+      <p:cxnSp>
+        <p:nvCxnSpPr>
+          <p:cNvPr id="18" name="Curved Connector 17"/>
+          <p:cNvCxnSpPr>
+            <a:stCxn id="6" idx="2"/>
+            <a:endCxn id="16" idx="1"/>
+          </p:cNvCxnSpPr>
+          <p:nvPr/>
+        </p:nvCxnSpPr>
+        <p:spPr>
+          <a:xfrm rot="16200000" flipH="1">
+            <a:off x="6520875" y="5073847"/>
+            <a:ext cx="642153" cy="507455"/>
+          </a:xfrm>
+          <a:prstGeom prst="curvedConnector2">
+            <a:avLst/>
+          </a:prstGeom>
+          <a:ln>
+            <a:tailEnd type="arrow"/>
+          </a:ln>
+        </p:spPr>
+        <p:style>
+          <a:lnRef idx="1">
+            <a:schemeClr val="accent1"/>
+          </a:lnRef>
+          <a:fillRef idx="0">
+            <a:schemeClr val="accent1"/>
+          </a:fillRef>
+          <a:effectRef idx="0">
+            <a:schemeClr val="accent1"/>
+          </a:effectRef>
+          <a:fontRef idx="minor">
+            <a:schemeClr val="tx1"/>
+          </a:fontRef>
+        </p:style>
+      </p:cxnSp>
+    </p:spTree>
+    <p:extLst>
+      <p:ext uri="{BB962C8B-B14F-4D97-AF65-F5344CB8AC3E}">
+        <p14:creationId xmlns:p14="http://schemas.microsoft.com/office/powerpoint/2010/main" val="1089465549"/>
+      </p:ext>
+    </p:extLst>
+  </p:cSld>
+  <p:clrMapOvr>
+    <a:masterClrMapping/>
+  </p:clrMapOvr>
+</p:sld>
+</file>
+
+<file path=ppt/slides/slide5.xml><?xml version="1.0" encoding="utf-8"?>
+<p:sld xmlns:a="http://schemas.openxmlformats.org/drawingml/2006/main" xmlns:r="http://schemas.openxmlformats.org/officeDocument/2006/relationships" xmlns:p="http://schemas.openxmlformats.org/presentationml/2006/main">
+  <p:cSld>
+    <p:spTree>
+      <p:nvGrpSpPr>
+        <p:cNvPr id="1" name=""/>
+        <p:cNvGrpSpPr/>
+        <p:nvPr/>
+      </p:nvGrpSpPr>
+      <p:grpSpPr>
+        <a:xfrm>
+          <a:off x="0" y="0"/>
+          <a:ext cx="0" cy="0"/>
+          <a:chOff x="0" y="0"/>
+          <a:chExt cx="0" cy="0"/>
+        </a:xfrm>
+      </p:grpSpPr>
+      <p:sp>
+        <p:nvSpPr>
+          <p:cNvPr id="2" name="Title 1"/>
+          <p:cNvSpPr>
+            <a:spLocks noGrp="1"/>
+          </p:cNvSpPr>
+          <p:nvPr>
+            <p:ph type="title"/>
+          </p:nvPr>
+        </p:nvSpPr>
+        <p:spPr/>
+        <p:txBody>
+          <a:bodyPr>
+            <a:normAutofit fontScale="90000"/>
+          </a:bodyPr>
+          <a:lstStyle/>
+          <a:p>
+            <a:r>
+              <a:rPr lang="ru-RU" dirty="0" smtClean="0"/>
+              <a:t>Параметрически заданные кривые</a:t>
+            </a:r>
+            <a:endParaRPr lang="ru-RU" dirty="0"/>
+          </a:p>
+        </p:txBody>
+      </p:sp>
+      <p:sp>
+        <p:nvSpPr>
+          <p:cNvPr id="3" name="Slide Number Placeholder 2"/>
+          <p:cNvSpPr>
+            <a:spLocks noGrp="1"/>
+          </p:cNvSpPr>
+          <p:nvPr>
+            <p:ph type="sldNum" sz="quarter" idx="12"/>
+          </p:nvPr>
+        </p:nvSpPr>
+        <p:spPr/>
+        <p:txBody>
+          <a:bodyPr/>
+          <a:lstStyle/>
+          <a:p>
+            <a:fld id="{50996AF7-1824-4C33-83B5-5666EA84AEE3}" type="slidenum">
+              <a:rPr lang="ru-RU" smtClean="0"/>
+              <a:t>5</a:t>
+            </a:fld>
+            <a:endParaRPr lang="ru-RU"/>
+          </a:p>
+        </p:txBody>
+      </p:sp>
+      <p:pic>
+        <p:nvPicPr>
+          <p:cNvPr id="4" name="Picture 3"/>
+          <p:cNvPicPr>
+            <a:picLocks noChangeAspect="1"/>
+          </p:cNvPicPr>
+          <p:nvPr/>
+        </p:nvPicPr>
+        <p:blipFill rotWithShape="1">
+          <a:blip r:embed="rId2">
+            <a:extLst>
+              <a:ext uri="{28A0092B-C50C-407E-A947-70E740481C1C}">
+                <a14:useLocalDpi xmlns:a14="http://schemas.microsoft.com/office/drawing/2010/main" val="0"/>
+              </a:ext>
+            </a:extLst>
+          </a:blip>
+          <a:srcRect t="4092" b="7337"/>
+          <a:stretch/>
+        </p:blipFill>
+        <p:spPr>
+          <a:xfrm>
+            <a:off x="0" y="1196752"/>
+            <a:ext cx="9144000" cy="4724401"/>
+          </a:xfrm>
+          <a:prstGeom prst="rect">
+            <a:avLst/>
+          </a:prstGeom>
+        </p:spPr>
+      </p:pic>
+      <p:sp>
+        <p:nvSpPr>
+          <p:cNvPr id="5" name="TextBox 4"/>
+          <p:cNvSpPr txBox="1"/>
+          <p:nvPr/>
+        </p:nvSpPr>
+        <p:spPr>
+          <a:xfrm>
+            <a:off x="539552" y="6021288"/>
+            <a:ext cx="7848872" cy="646331"/>
+          </a:xfrm>
+          <a:prstGeom prst="rect">
+            <a:avLst/>
+          </a:prstGeom>
+          <a:noFill/>
+        </p:spPr>
+        <p:txBody>
+          <a:bodyPr wrap="square" rtlCol="0">
+            <a:spAutoFit/>
+          </a:bodyPr>
+          <a:lstStyle/>
+          <a:p>
+            <a:pPr algn="ctr"/>
+            <a:r>
+              <a:rPr lang="ru-RU" dirty="0" smtClean="0"/>
+              <a:t>Рисунок 1 – </a:t>
+            </a:r>
+            <a:r>
+              <a:rPr lang="en-US" dirty="0" smtClean="0"/>
+              <a:t>UML </a:t>
+            </a:r>
+            <a:r>
+              <a:rPr lang="ru-RU" dirty="0" smtClean="0"/>
+              <a:t>диаграмма иерархии наследования классов параметрически заданных функций</a:t>
+            </a:r>
+            <a:endParaRPr lang="ru-RU" dirty="0"/>
+          </a:p>
+        </p:txBody>
+      </p:sp>
+    </p:spTree>
+    <p:extLst>
+      <p:ext uri="{BB962C8B-B14F-4D97-AF65-F5344CB8AC3E}">
+        <p14:creationId xmlns:p14="http://schemas.microsoft.com/office/powerpoint/2010/main" val="972332239"/>
+      </p:ext>
+    </p:extLst>
+  </p:cSld>
+  <p:clrMapOvr>
+    <a:masterClrMapping/>
+  </p:clrMapOvr>
+</p:sld>
+</file>
+
+<file path=ppt/slides/slide6.xml><?xml version="1.0" encoding="utf-8"?>
+<p:sld xmlns:a="http://schemas.openxmlformats.org/drawingml/2006/main" xmlns:r="http://schemas.openxmlformats.org/officeDocument/2006/relationships" xmlns:p="http://schemas.openxmlformats.org/presentationml/2006/main">
+  <p:cSld>
+    <p:spTree>
+      <p:nvGrpSpPr>
+        <p:cNvPr id="1" name=""/>
+        <p:cNvGrpSpPr/>
+        <p:nvPr/>
+      </p:nvGrpSpPr>
+      <p:grpSpPr>
+        <a:xfrm>
+          <a:off x="0" y="0"/>
+          <a:ext cx="0" cy="0"/>
+          <a:chOff x="0" y="0"/>
+          <a:chExt cx="0" cy="0"/>
+        </a:xfrm>
+      </p:grpSpPr>
+      <p:sp>
+        <p:nvSpPr>
+          <p:cNvPr id="2" name="Title 1"/>
+          <p:cNvSpPr>
+            <a:spLocks noGrp="1"/>
+          </p:cNvSpPr>
+          <p:nvPr>
+            <p:ph type="title"/>
+          </p:nvPr>
+        </p:nvSpPr>
+        <p:spPr/>
+        <p:txBody>
+          <a:bodyPr/>
+          <a:lstStyle/>
+          <a:p>
+            <a:r>
+              <a:rPr lang="ru-RU" dirty="0" smtClean="0"/>
+              <a:t>Матчеры и ресолверы</a:t>
+            </a:r>
+            <a:endParaRPr lang="ru-RU" dirty="0"/>
+          </a:p>
+        </p:txBody>
+      </p:sp>
+      <p:sp>
+        <p:nvSpPr>
+          <p:cNvPr id="3" name="Slide Number Placeholder 2"/>
+          <p:cNvSpPr>
+            <a:spLocks noGrp="1"/>
+          </p:cNvSpPr>
+          <p:nvPr>
+            <p:ph type="sldNum" sz="quarter" idx="12"/>
+          </p:nvPr>
+        </p:nvSpPr>
+        <p:spPr/>
+        <p:txBody>
+          <a:bodyPr/>
+          <a:lstStyle/>
+          <a:p>
+            <a:fld id="{50996AF7-1824-4C33-83B5-5666EA84AEE3}" type="slidenum">
+              <a:rPr lang="ru-RU" smtClean="0"/>
+              <a:t>6</a:t>
+            </a:fld>
+            <a:endParaRPr lang="ru-RU"/>
+          </a:p>
+        </p:txBody>
+      </p:sp>
+      <p:pic>
+        <p:nvPicPr>
+          <p:cNvPr id="4" name="Picture 3"/>
+          <p:cNvPicPr>
+            <a:picLocks noChangeAspect="1"/>
+          </p:cNvPicPr>
+          <p:nvPr/>
+        </p:nvPicPr>
+        <p:blipFill rotWithShape="1">
+          <a:blip r:embed="rId2">
+            <a:extLst>
+              <a:ext uri="{28A0092B-C50C-407E-A947-70E740481C1C}">
+                <a14:useLocalDpi xmlns:a14="http://schemas.microsoft.com/office/drawing/2010/main" val="0"/>
+              </a:ext>
+            </a:extLst>
+          </a:blip>
+          <a:srcRect l="3853" r="4687"/>
+          <a:stretch/>
+        </p:blipFill>
+        <p:spPr>
+          <a:xfrm>
+            <a:off x="0" y="1724558"/>
+            <a:ext cx="9144000" cy="2856570"/>
+          </a:xfrm>
+          <a:prstGeom prst="rect">
+            <a:avLst/>
+          </a:prstGeom>
+        </p:spPr>
+      </p:pic>
+      <p:sp>
+        <p:nvSpPr>
+          <p:cNvPr id="5" name="TextBox 4"/>
+          <p:cNvSpPr txBox="1"/>
+          <p:nvPr/>
+        </p:nvSpPr>
+        <p:spPr>
+          <a:xfrm>
+            <a:off x="899592" y="4581128"/>
+            <a:ext cx="7488832" cy="646331"/>
+          </a:xfrm>
+          <a:prstGeom prst="rect">
+            <a:avLst/>
+          </a:prstGeom>
+          <a:noFill/>
+        </p:spPr>
+        <p:txBody>
+          <a:bodyPr wrap="square" rtlCol="0">
+            <a:spAutoFit/>
+          </a:bodyPr>
+          <a:lstStyle/>
+          <a:p>
+            <a:pPr algn="ctr"/>
+            <a:r>
+              <a:rPr lang="ru-RU" dirty="0" smtClean="0"/>
+              <a:t>Рисунок 2 – </a:t>
+            </a:r>
+            <a:r>
+              <a:rPr lang="en-US" dirty="0" smtClean="0"/>
+              <a:t>UML </a:t>
+            </a:r>
+            <a:r>
+              <a:rPr lang="ru-RU" dirty="0" smtClean="0"/>
+              <a:t>диаграма классов иерархии наследования матчеров и ресолверов</a:t>
+            </a:r>
+            <a:endParaRPr lang="ru-RU" dirty="0"/>
+          </a:p>
+        </p:txBody>
+      </p:sp>
+    </p:spTree>
+    <p:extLst>
+      <p:ext uri="{BB962C8B-B14F-4D97-AF65-F5344CB8AC3E}">
+        <p14:creationId xmlns:p14="http://schemas.microsoft.com/office/powerpoint/2010/main" val="545655927"/>
+      </p:ext>
+    </p:extLst>
+  </p:cSld>
+  <p:clrMapOvr>
+    <a:masterClrMapping/>
+  </p:clrMapOvr>
+</p:sld>
+</file>
+
+<file path=ppt/slides/slide7.xml><?xml version="1.0" encoding="utf-8"?>
+<p:sld xmlns:a="http://schemas.openxmlformats.org/drawingml/2006/main" xmlns:r="http://schemas.openxmlformats.org/officeDocument/2006/relationships" xmlns:p="http://schemas.openxmlformats.org/presentationml/2006/main">
+  <p:cSld>
+    <p:spTree>
+      <p:nvGrpSpPr>
+        <p:cNvPr id="1" name=""/>
+        <p:cNvGrpSpPr/>
+        <p:nvPr/>
+      </p:nvGrpSpPr>
+      <p:grpSpPr>
+        <a:xfrm>
+          <a:off x="0" y="0"/>
+          <a:ext cx="0" cy="0"/>
+          <a:chOff x="0" y="0"/>
+          <a:chExt cx="0" cy="0"/>
+        </a:xfrm>
+      </p:grpSpPr>
+      <p:sp>
+        <p:nvSpPr>
+          <p:cNvPr id="2" name="Title 1"/>
+          <p:cNvSpPr>
+            <a:spLocks noGrp="1"/>
+          </p:cNvSpPr>
+          <p:nvPr>
+            <p:ph type="title"/>
+          </p:nvPr>
+        </p:nvSpPr>
+        <p:spPr/>
+        <p:txBody>
+          <a:bodyPr/>
+          <a:lstStyle/>
+          <a:p>
+            <a:r>
+              <a:rPr lang="ru-RU" dirty="0" smtClean="0"/>
+              <a:t>Заключение</a:t>
+            </a:r>
+            <a:endParaRPr lang="ru-RU" dirty="0"/>
+          </a:p>
+        </p:txBody>
+      </p:sp>
+      <p:sp>
+        <p:nvSpPr>
+          <p:cNvPr id="3" name="Rectangle 2"/>
+          <p:cNvSpPr/>
+          <p:nvPr/>
+        </p:nvSpPr>
+        <p:spPr>
+          <a:xfrm>
+            <a:off x="899592" y="1997839"/>
+            <a:ext cx="7344816" cy="2308324"/>
+          </a:xfrm>
+          <a:prstGeom prst="rect">
+            <a:avLst/>
+          </a:prstGeom>
+        </p:spPr>
+        <p:txBody>
+          <a:bodyPr wrap="square">
+            <a:spAutoFit/>
+          </a:bodyPr>
+          <a:lstStyle/>
+          <a:p>
+            <a:pPr lvl="0" indent="266700" algn="just">
+              <a:buFont typeface="Wingdings" panose="05000000000000000000" pitchFamily="2" charset="2"/>
+              <a:buChar char="ü"/>
+            </a:pPr>
+            <a:r>
+              <a:rPr lang="ru-RU" dirty="0"/>
+              <a:t>модуль для матричных операций и решения линейных алгебраических уравнений;</a:t>
+            </a:r>
+          </a:p>
+          <a:p>
+            <a:pPr lvl="0" indent="266700" algn="just">
+              <a:buFont typeface="Wingdings" panose="05000000000000000000" pitchFamily="2" charset="2"/>
+              <a:buChar char="ü"/>
+            </a:pPr>
+            <a:r>
+              <a:rPr lang="ru-RU" dirty="0"/>
+              <a:t>модуль для интерполяции сглаживающими сплайнами;</a:t>
+            </a:r>
+          </a:p>
+          <a:p>
+            <a:pPr lvl="0" indent="266700" algn="just">
+              <a:buFont typeface="Wingdings" panose="05000000000000000000" pitchFamily="2" charset="2"/>
+              <a:buChar char="ü"/>
+            </a:pPr>
+            <a:r>
+              <a:rPr lang="ru-RU" dirty="0"/>
+              <a:t>модуль для численного интегрирования;</a:t>
+            </a:r>
+          </a:p>
+          <a:p>
+            <a:pPr lvl="0" indent="266700" algn="just">
+              <a:buFont typeface="Wingdings" panose="05000000000000000000" pitchFamily="2" charset="2"/>
+              <a:buChar char="ü"/>
+            </a:pPr>
+            <a:r>
+              <a:rPr lang="ru-RU" dirty="0"/>
+              <a:t>модуль для представления параметрически заданных кривых и перехода к естественной параметризации;</a:t>
+            </a:r>
+          </a:p>
+          <a:p>
+            <a:pPr lvl="0" indent="266700" algn="just">
+              <a:buFont typeface="Wingdings" panose="05000000000000000000" pitchFamily="2" charset="2"/>
+              <a:buChar char="ü"/>
+            </a:pPr>
+            <a:r>
+              <a:rPr lang="ru-RU" dirty="0"/>
+              <a:t>модуль для представления подписи и сопоставления подписей друг другу.</a:t>
+            </a:r>
+          </a:p>
+        </p:txBody>
+      </p:sp>
+      <p:sp>
+        <p:nvSpPr>
+          <p:cNvPr id="4" name="Slide Number Placeholder 3"/>
+          <p:cNvSpPr>
+            <a:spLocks noGrp="1"/>
+          </p:cNvSpPr>
+          <p:nvPr>
+            <p:ph type="sldNum" sz="quarter" idx="12"/>
+          </p:nvPr>
+        </p:nvSpPr>
+        <p:spPr/>
+        <p:txBody>
+          <a:bodyPr/>
+          <a:lstStyle/>
+          <a:p>
+            <a:fld id="{50996AF7-1824-4C33-83B5-5666EA84AEE3}" type="slidenum">
+              <a:rPr lang="ru-RU" smtClean="0"/>
+              <a:t>7</a:t>
+            </a:fld>
+            <a:endParaRPr lang="ru-RU"/>
+          </a:p>
+        </p:txBody>
+      </p:sp>
+    </p:spTree>
+    <p:extLst>
+      <p:ext uri="{BB962C8B-B14F-4D97-AF65-F5344CB8AC3E}">
+        <p14:creationId xmlns:p14="http://schemas.microsoft.com/office/powerpoint/2010/main" val="428528492"/>
+      </p:ext>
+    </p:extLst>
+  </p:cSld>
+  <p:clrMapOvr>
+    <a:masterClrMapping/>
+  </p:clrMapOvr>
+  <p:timing>
+    <p:tnLst>
+      <p:par>
+        <p:cTn id="1" dur="indefinite" restart="never" nodeType="tmRoot"/>
+      </p:par>
+    </p:tnLst>
+  </p:timing>
+</p:sld>
+</file>
+
+<file path=ppt/slides/slide8.xml><?xml version="1.0" encoding="utf-8"?>
+<p:sld xmlns:a="http://schemas.openxmlformats.org/drawingml/2006/main" xmlns:r="http://schemas.openxmlformats.org/officeDocument/2006/relationships" xmlns:p="http://schemas.openxmlformats.org/presentationml/2006/main">
+  <p:cSld>
+    <p:spTree>
+      <p:nvGrpSpPr>
+        <p:cNvPr id="1" name=""/>
+        <p:cNvGrpSpPr/>
+        <p:nvPr/>
+      </p:nvGrpSpPr>
+      <p:grpSpPr>
+        <a:xfrm>
+          <a:off x="0" y="0"/>
+          <a:ext cx="0" cy="0"/>
+          <a:chOff x="0" y="0"/>
+          <a:chExt cx="0" cy="0"/>
+        </a:xfrm>
+      </p:grpSpPr>
+      <p:sp>
+        <p:nvSpPr>
           <p:cNvPr id="2" name="TextBox 1"/>
           <p:cNvSpPr txBox="1"/>
           <p:nvPr/>
@@ -3249,6 +6117,29 @@
               <a:t>за внимание</a:t>
             </a:r>
             <a:endParaRPr lang="ru-RU" sz="4000" dirty="0"/>
+          </a:p>
+        </p:txBody>
+      </p:sp>
+      <p:sp>
+        <p:nvSpPr>
+          <p:cNvPr id="3" name="Slide Number Placeholder 2"/>
+          <p:cNvSpPr>
+            <a:spLocks noGrp="1"/>
+          </p:cNvSpPr>
+          <p:nvPr>
+            <p:ph type="sldNum" sz="quarter" idx="12"/>
+          </p:nvPr>
+        </p:nvSpPr>
+        <p:spPr/>
+        <p:txBody>
+          <a:bodyPr/>
+          <a:lstStyle/>
+          <a:p>
+            <a:fld id="{50996AF7-1824-4C33-83B5-5666EA84AEE3}" type="slidenum">
+              <a:rPr lang="ru-RU" smtClean="0"/>
+              <a:t>8</a:t>
+            </a:fld>
+            <a:endParaRPr lang="ru-RU"/>
           </a:p>
         </p:txBody>
       </p:sp>
@@ -3548,4 +6439,289 @@
   <a:objectDefaults/>
   <a:extraClrSchemeLst/>
 </a:theme>
+</file>
+
+<file path=ppt/theme/theme2.xml><?xml version="1.0" encoding="utf-8"?>
+<a:theme xmlns:a="http://schemas.openxmlformats.org/drawingml/2006/main" name="Office Theme">
+  <a:themeElements>
+    <a:clrScheme name="Office">
+      <a:dk1>
+        <a:sysClr val="windowText" lastClr="000000"/>
+      </a:dk1>
+      <a:lt1>
+        <a:sysClr val="window" lastClr="FFFFFF"/>
+      </a:lt1>
+      <a:dk2>
+        <a:srgbClr val="1F497D"/>
+      </a:dk2>
+      <a:lt2>
+        <a:srgbClr val="EEECE1"/>
+      </a:lt2>
+      <a:accent1>
+        <a:srgbClr val="4F81BD"/>
+      </a:accent1>
+      <a:accent2>
+        <a:srgbClr val="C0504D"/>
+      </a:accent2>
+      <a:accent3>
+        <a:srgbClr val="9BBB59"/>
+      </a:accent3>
+      <a:accent4>
+        <a:srgbClr val="8064A2"/>
+      </a:accent4>
+      <a:accent5>
+        <a:srgbClr val="4BACC6"/>
+      </a:accent5>
+      <a:accent6>
+        <a:srgbClr val="F79646"/>
+      </a:accent6>
+      <a:hlink>
+        <a:srgbClr val="0000FF"/>
+      </a:hlink>
+      <a:folHlink>
+        <a:srgbClr val="800080"/>
+      </a:folHlink>
+    </a:clrScheme>
+    <a:fontScheme name="Office">
+      <a:majorFont>
+        <a:latin typeface="Calibri"/>
+        <a:ea typeface=""/>
+        <a:cs typeface=""/>
+        <a:font script="Jpan" typeface="ＭＳ Ｐゴシック"/>
+        <a:font script="Hang" typeface="맑은 고딕"/>
+        <a:font script="Hans" typeface="宋体"/>
+        <a:font script="Hant" typeface="新細明體"/>
+        <a:font script="Arab" typeface="Times New Roman"/>
+        <a:font script="Hebr" typeface="Times New Roman"/>
+        <a:font script="Thai" typeface="Angsana New"/>
+        <a:font script="Ethi" typeface="Nyala"/>
+        <a:font script="Beng" typeface="Vrinda"/>
+        <a:font script="Gujr" typeface="Shruti"/>
+        <a:font script="Khmr" typeface="MoolBoran"/>
+        <a:font script="Knda" typeface="Tunga"/>
+        <a:font script="Guru" typeface="Raavi"/>
+        <a:font script="Cans" typeface="Euphemia"/>
+        <a:font script="Cher" typeface="Plantagenet Cherokee"/>
+        <a:font script="Yiii" typeface="Microsoft Yi Baiti"/>
+        <a:font script="Tibt" typeface="Microsoft Himalaya"/>
+        <a:font script="Thaa" typeface="MV Boli"/>
+        <a:font script="Deva" typeface="Mangal"/>
+        <a:font script="Telu" typeface="Gautami"/>
+        <a:font script="Taml" typeface="Latha"/>
+        <a:font script="Syrc" typeface="Estrangelo Edessa"/>
+        <a:font script="Orya" typeface="Kalinga"/>
+        <a:font script="Mlym" typeface="Kartika"/>
+        <a:font script="Laoo" typeface="DokChampa"/>
+        <a:font script="Sinh" typeface="Iskoola Pota"/>
+        <a:font script="Mong" typeface="Mongolian Baiti"/>
+        <a:font script="Viet" typeface="Times New Roman"/>
+        <a:font script="Uigh" typeface="Microsoft Uighur"/>
+        <a:font script="Geor" typeface="Sylfaen"/>
+      </a:majorFont>
+      <a:minorFont>
+        <a:latin typeface="Calibri"/>
+        <a:ea typeface=""/>
+        <a:cs typeface=""/>
+        <a:font script="Jpan" typeface="ＭＳ Ｐゴシック"/>
+        <a:font script="Hang" typeface="맑은 고딕"/>
+        <a:font script="Hans" typeface="宋体"/>
+        <a:font script="Hant" typeface="新細明體"/>
+        <a:font script="Arab" typeface="Arial"/>
+        <a:font script="Hebr" typeface="Arial"/>
+        <a:font script="Thai" typeface="Cordia New"/>
+        <a:font script="Ethi" typeface="Nyala"/>
+        <a:font script="Beng" typeface="Vrinda"/>
+        <a:font script="Gujr" typeface="Shruti"/>
+        <a:font script="Khmr" typeface="DaunPenh"/>
+        <a:font script="Knda" typeface="Tunga"/>
+        <a:font script="Guru" typeface="Raavi"/>
+        <a:font script="Cans" typeface="Euphemia"/>
+        <a:font script="Cher" typeface="Plantagenet Cherokee"/>
+        <a:font script="Yiii" typeface="Microsoft Yi Baiti"/>
+        <a:font script="Tibt" typeface="Microsoft Himalaya"/>
+        <a:font script="Thaa" typeface="MV Boli"/>
+        <a:font script="Deva" typeface="Mangal"/>
+        <a:font script="Telu" typeface="Gautami"/>
+        <a:font script="Taml" typeface="Latha"/>
+        <a:font script="Syrc" typeface="Estrangelo Edessa"/>
+        <a:font script="Orya" typeface="Kalinga"/>
+        <a:font script="Mlym" typeface="Kartika"/>
+        <a:font script="Laoo" typeface="DokChampa"/>
+        <a:font script="Sinh" typeface="Iskoola Pota"/>
+        <a:font script="Mong" typeface="Mongolian Baiti"/>
+        <a:font script="Viet" typeface="Arial"/>
+        <a:font script="Uigh" typeface="Microsoft Uighur"/>
+        <a:font script="Geor" typeface="Sylfaen"/>
+      </a:minorFont>
+    </a:fontScheme>
+    <a:fmtScheme name="Office">
+      <a:fillStyleLst>
+        <a:solidFill>
+          <a:schemeClr val="phClr"/>
+        </a:solidFill>
+        <a:gradFill rotWithShape="1">
+          <a:gsLst>
+            <a:gs pos="0">
+              <a:schemeClr val="phClr">
+                <a:tint val="50000"/>
+                <a:satMod val="300000"/>
+              </a:schemeClr>
+            </a:gs>
+            <a:gs pos="35000">
+              <a:schemeClr val="phClr">
+                <a:tint val="37000"/>
+                <a:satMod val="300000"/>
+              </a:schemeClr>
+            </a:gs>
+            <a:gs pos="100000">
+              <a:schemeClr val="phClr">
+                <a:tint val="15000"/>
+                <a:satMod val="350000"/>
+              </a:schemeClr>
+            </a:gs>
+          </a:gsLst>
+          <a:lin ang="16200000" scaled="1"/>
+        </a:gradFill>
+        <a:gradFill rotWithShape="1">
+          <a:gsLst>
+            <a:gs pos="0">
+              <a:schemeClr val="phClr">
+                <a:shade val="51000"/>
+                <a:satMod val="130000"/>
+              </a:schemeClr>
+            </a:gs>
+            <a:gs pos="80000">
+              <a:schemeClr val="phClr">
+                <a:shade val="93000"/>
+                <a:satMod val="130000"/>
+              </a:schemeClr>
+            </a:gs>
+            <a:gs pos="100000">
+              <a:schemeClr val="phClr">
+                <a:shade val="94000"/>
+                <a:satMod val="135000"/>
+              </a:schemeClr>
+            </a:gs>
+          </a:gsLst>
+          <a:lin ang="16200000" scaled="0"/>
+        </a:gradFill>
+      </a:fillStyleLst>
+      <a:lnStyleLst>
+        <a:ln w="9525" cap="flat" cmpd="sng" algn="ctr">
+          <a:solidFill>
+            <a:schemeClr val="phClr">
+              <a:shade val="95000"/>
+              <a:satMod val="105000"/>
+            </a:schemeClr>
+          </a:solidFill>
+          <a:prstDash val="solid"/>
+        </a:ln>
+        <a:ln w="25400" cap="flat" cmpd="sng" algn="ctr">
+          <a:solidFill>
+            <a:schemeClr val="phClr"/>
+          </a:solidFill>
+          <a:prstDash val="solid"/>
+        </a:ln>
+        <a:ln w="38100" cap="flat" cmpd="sng" algn="ctr">
+          <a:solidFill>
+            <a:schemeClr val="phClr"/>
+          </a:solidFill>
+          <a:prstDash val="solid"/>
+        </a:ln>
+      </a:lnStyleLst>
+      <a:effectStyleLst>
+        <a:effectStyle>
+          <a:effectLst>
+            <a:outerShdw blurRad="40000" dist="20000" dir="5400000" rotWithShape="0">
+              <a:srgbClr val="000000">
+                <a:alpha val="38000"/>
+              </a:srgbClr>
+            </a:outerShdw>
+          </a:effectLst>
+        </a:effectStyle>
+        <a:effectStyle>
+          <a:effectLst>
+            <a:outerShdw blurRad="40000" dist="23000" dir="5400000" rotWithShape="0">
+              <a:srgbClr val="000000">
+                <a:alpha val="35000"/>
+              </a:srgbClr>
+            </a:outerShdw>
+          </a:effectLst>
+        </a:effectStyle>
+        <a:effectStyle>
+          <a:effectLst>
+            <a:outerShdw blurRad="40000" dist="23000" dir="5400000" rotWithShape="0">
+              <a:srgbClr val="000000">
+                <a:alpha val="35000"/>
+              </a:srgbClr>
+            </a:outerShdw>
+          </a:effectLst>
+          <a:scene3d>
+            <a:camera prst="orthographicFront">
+              <a:rot lat="0" lon="0" rev="0"/>
+            </a:camera>
+            <a:lightRig rig="threePt" dir="t">
+              <a:rot lat="0" lon="0" rev="1200000"/>
+            </a:lightRig>
+          </a:scene3d>
+          <a:sp3d>
+            <a:bevelT w="63500" h="25400"/>
+          </a:sp3d>
+        </a:effectStyle>
+      </a:effectStyleLst>
+      <a:bgFillStyleLst>
+        <a:solidFill>
+          <a:schemeClr val="phClr"/>
+        </a:solidFill>
+        <a:gradFill rotWithShape="1">
+          <a:gsLst>
+            <a:gs pos="0">
+              <a:schemeClr val="phClr">
+                <a:tint val="40000"/>
+                <a:satMod val="350000"/>
+              </a:schemeClr>
+            </a:gs>
+            <a:gs pos="40000">
+              <a:schemeClr val="phClr">
+                <a:tint val="45000"/>
+                <a:shade val="99000"/>
+                <a:satMod val="350000"/>
+              </a:schemeClr>
+            </a:gs>
+            <a:gs pos="100000">
+              <a:schemeClr val="phClr">
+                <a:shade val="20000"/>
+                <a:satMod val="255000"/>
+              </a:schemeClr>
+            </a:gs>
+          </a:gsLst>
+          <a:path path="circle">
+            <a:fillToRect l="50000" t="-80000" r="50000" b="180000"/>
+          </a:path>
+        </a:gradFill>
+        <a:gradFill rotWithShape="1">
+          <a:gsLst>
+            <a:gs pos="0">
+              <a:schemeClr val="phClr">
+                <a:tint val="80000"/>
+                <a:satMod val="300000"/>
+              </a:schemeClr>
+            </a:gs>
+            <a:gs pos="100000">
+              <a:schemeClr val="phClr">
+                <a:shade val="30000"/>
+                <a:satMod val="200000"/>
+              </a:schemeClr>
+            </a:gs>
+          </a:gsLst>
+          <a:path path="circle">
+            <a:fillToRect l="50000" t="50000" r="50000" b="50000"/>
+          </a:path>
+        </a:gradFill>
+      </a:bgFillStyleLst>
+    </a:fmtScheme>
+  </a:themeElements>
+  <a:objectDefaults/>
+  <a:extraClrSchemeLst/>
+</a:theme>
 </file>
--- a/Диплом.Презентация.pptx
+++ b/Диплом.Презентация.pptx
@@ -5,7 +5,7 @@
     <p:sldMasterId id="2147483648" r:id="rId1"/>
   </p:sldMasterIdLst>
   <p:notesMasterIdLst>
-    <p:notesMasterId r:id="rId10"/>
+    <p:notesMasterId r:id="rId11"/>
   </p:notesMasterIdLst>
   <p:sldIdLst>
     <p:sldId id="256" r:id="rId2"/>
@@ -13,9 +13,10 @@
     <p:sldId id="261" r:id="rId4"/>
     <p:sldId id="262" r:id="rId5"/>
     <p:sldId id="260" r:id="rId6"/>
-    <p:sldId id="263" r:id="rId7"/>
-    <p:sldId id="259" r:id="rId8"/>
-    <p:sldId id="257" r:id="rId9"/>
+    <p:sldId id="264" r:id="rId7"/>
+    <p:sldId id="265" r:id="rId8"/>
+    <p:sldId id="266" r:id="rId9"/>
+    <p:sldId id="259" r:id="rId10"/>
   </p:sldIdLst>
   <p:sldSz cx="9144000" cy="6858000" type="screen4x3"/>
   <p:notesSz cx="6858000" cy="9144000"/>
@@ -199,7 +200,7 @@
           <a:p>
             <a:fld id="{B21CCE55-FCEF-42A5-93FB-A0ADBD96193B}" type="datetimeFigureOut">
               <a:rPr lang="ru-RU" smtClean="0"/>
-              <a:t>18.06.2015</a:t>
+              <a:t>21.06.2015</a:t>
             </a:fld>
             <a:endParaRPr lang="ru-RU"/>
           </a:p>
@@ -532,7 +533,7 @@
           <a:p>
             <a:fld id="{F3F859FD-7670-47FF-881F-4484F3796A7E}" type="slidenum">
               <a:rPr lang="ru-RU" smtClean="0"/>
-              <a:t>7</a:t>
+              <a:t>9</a:t>
             </a:fld>
             <a:endParaRPr lang="ru-RU"/>
           </a:p>
@@ -732,7 +733,7 @@
           <a:p>
             <a:fld id="{94014514-B176-4189-B61A-53FCA95F879D}" type="datetime1">
               <a:rPr lang="ru-RU" smtClean="0"/>
-              <a:t>18.06.2015</a:t>
+              <a:t>21.06.2015</a:t>
             </a:fld>
             <a:endParaRPr lang="ru-RU"/>
           </a:p>
@@ -902,7 +903,7 @@
           <a:p>
             <a:fld id="{F9FB3338-4DBD-4BD5-9A33-0FB9D5CBA28C}" type="datetime1">
               <a:rPr lang="ru-RU" smtClean="0"/>
-              <a:t>18.06.2015</a:t>
+              <a:t>21.06.2015</a:t>
             </a:fld>
             <a:endParaRPr lang="ru-RU"/>
           </a:p>
@@ -1082,7 +1083,7 @@
           <a:p>
             <a:fld id="{1347BC48-5813-4EAD-BCE4-58A9A57111F6}" type="datetime1">
               <a:rPr lang="ru-RU" smtClean="0"/>
-              <a:t>18.06.2015</a:t>
+              <a:t>21.06.2015</a:t>
             </a:fld>
             <a:endParaRPr lang="ru-RU"/>
           </a:p>
@@ -1252,7 +1253,7 @@
           <a:p>
             <a:fld id="{ADC250F2-DA2D-4232-BF75-C4C345B0792E}" type="datetime1">
               <a:rPr lang="ru-RU" smtClean="0"/>
-              <a:t>18.06.2015</a:t>
+              <a:t>21.06.2015</a:t>
             </a:fld>
             <a:endParaRPr lang="ru-RU"/>
           </a:p>
@@ -1498,7 +1499,7 @@
           <a:p>
             <a:fld id="{49751030-727A-4208-84E7-7E6F2C6FBFF9}" type="datetime1">
               <a:rPr lang="ru-RU" smtClean="0"/>
-              <a:t>18.06.2015</a:t>
+              <a:t>21.06.2015</a:t>
             </a:fld>
             <a:endParaRPr lang="ru-RU"/>
           </a:p>
@@ -1786,7 +1787,7 @@
           <a:p>
             <a:fld id="{74A3F34E-48A6-42F9-B7E1-3A4AF50396F0}" type="datetime1">
               <a:rPr lang="ru-RU" smtClean="0"/>
-              <a:t>18.06.2015</a:t>
+              <a:t>21.06.2015</a:t>
             </a:fld>
             <a:endParaRPr lang="ru-RU"/>
           </a:p>
@@ -2208,7 +2209,7 @@
           <a:p>
             <a:fld id="{C9B3B385-42D8-481B-A167-51E68E1E060E}" type="datetime1">
               <a:rPr lang="ru-RU" smtClean="0"/>
-              <a:t>18.06.2015</a:t>
+              <a:t>21.06.2015</a:t>
             </a:fld>
             <a:endParaRPr lang="ru-RU"/>
           </a:p>
@@ -2326,7 +2327,7 @@
           <a:p>
             <a:fld id="{BC5443D0-A16F-4F7E-9A01-F32999DFE207}" type="datetime1">
               <a:rPr lang="ru-RU" smtClean="0"/>
-              <a:t>18.06.2015</a:t>
+              <a:t>21.06.2015</a:t>
             </a:fld>
             <a:endParaRPr lang="ru-RU"/>
           </a:p>
@@ -2421,7 +2422,7 @@
           <a:p>
             <a:fld id="{2720ADFC-0040-4614-BB09-A0ABDB8F5415}" type="datetime1">
               <a:rPr lang="ru-RU" smtClean="0"/>
-              <a:t>18.06.2015</a:t>
+              <a:t>21.06.2015</a:t>
             </a:fld>
             <a:endParaRPr lang="ru-RU"/>
           </a:p>
@@ -2698,7 +2699,7 @@
           <a:p>
             <a:fld id="{10FFD454-0272-4CD3-ADE3-2995A919132E}" type="datetime1">
               <a:rPr lang="ru-RU" smtClean="0"/>
-              <a:t>18.06.2015</a:t>
+              <a:t>21.06.2015</a:t>
             </a:fld>
             <a:endParaRPr lang="ru-RU"/>
           </a:p>
@@ -2951,7 +2952,7 @@
           <a:p>
             <a:fld id="{309F9350-3226-440D-905B-40E6D12AFA53}" type="datetime1">
               <a:rPr lang="ru-RU" smtClean="0"/>
-              <a:t>18.06.2015</a:t>
+              <a:t>21.06.2015</a:t>
             </a:fld>
             <a:endParaRPr lang="ru-RU"/>
           </a:p>
@@ -3164,7 +3165,7 @@
           <a:p>
             <a:fld id="{9FE6CEF0-446A-47FD-B8CA-4DFE35A14DBD}" type="datetime1">
               <a:rPr lang="ru-RU" smtClean="0"/>
-              <a:t>18.06.2015</a:t>
+              <a:t>21.06.2015</a:t>
             </a:fld>
             <a:endParaRPr lang="ru-RU"/>
           </a:p>
@@ -3702,7 +3703,7 @@
         <p:spPr>
           <a:xfrm>
             <a:off x="1043608" y="1556792"/>
-            <a:ext cx="7200800" cy="1477328"/>
+            <a:ext cx="7200800" cy="3539430"/>
           </a:xfrm>
           <a:prstGeom prst="rect">
             <a:avLst/>
@@ -3720,7 +3721,7 @@
               <a:buChar char="§"/>
             </a:pPr>
             <a:r>
-              <a:rPr lang="ru-RU" dirty="0" smtClean="0"/>
+              <a:rPr lang="ru-RU" sz="2800" dirty="0" smtClean="0"/>
               <a:t>Изучить открытые методы биометрической верификации подписи;</a:t>
             </a:r>
           </a:p>
@@ -3730,7 +3731,7 @@
               <a:buChar char="§"/>
             </a:pPr>
             <a:r>
-              <a:rPr lang="ru-RU" dirty="0" smtClean="0"/>
+              <a:rPr lang="ru-RU" sz="2800" dirty="0" smtClean="0"/>
               <a:t>Разработать программный продукт, позволяющий проводить верификацию подписи;</a:t>
             </a:r>
           </a:p>
@@ -3740,18 +3741,18 @@
               <a:buChar char="§"/>
             </a:pPr>
             <a:r>
-              <a:rPr lang="ru-RU" dirty="0" smtClean="0"/>
+              <a:rPr lang="ru-RU" sz="2800" dirty="0" smtClean="0"/>
               <a:t>Оформить программный продукт в виде </a:t>
             </a:r>
             <a:r>
-              <a:rPr lang="en-US" dirty="0" smtClean="0"/>
+              <a:rPr lang="en-US" sz="2800" dirty="0" smtClean="0"/>
               <a:t>Android-</a:t>
             </a:r>
             <a:r>
-              <a:rPr lang="ru-RU" dirty="0" smtClean="0"/>
+              <a:rPr lang="ru-RU" sz="2800" dirty="0" smtClean="0"/>
               <a:t>приложения для демонстрации возможностей продукта.</a:t>
             </a:r>
-            <a:endParaRPr lang="ru-RU" dirty="0"/>
+            <a:endParaRPr lang="ru-RU" sz="2800" dirty="0"/>
           </a:p>
         </p:txBody>
       </p:sp>
@@ -3863,8 +3864,8 @@
           </a:p>
         </p:txBody>
       </p:sp>
-      <mc:AlternateContent xmlns:mc="http://schemas.openxmlformats.org/markup-compatibility/2006">
-        <mc:Choice xmlns:a14="http://schemas.microsoft.com/office/drawing/2010/main" Requires="a14">
+      <mc:AlternateContent xmlns:mc="http://schemas.openxmlformats.org/markup-compatibility/2006" xmlns:a14="http://schemas.microsoft.com/office/drawing/2010/main">
+        <mc:Choice Requires="a14">
           <p:sp>
             <p:nvSpPr>
               <p:cNvPr id="7" name="Rectangle 6"/>
@@ -3886,6 +3887,7 @@
               </a:bodyPr>
               <a:lstStyle/>
               <a:p>
+                <a:pPr/>
                 <a14:m>
                   <m:oMathPara xmlns:m="http://schemas.openxmlformats.org/officeDocument/2006/math">
                     <m:oMathParaPr>
@@ -3895,7 +3897,9 @@
                       <m:sSubSup>
                         <m:sSubSupPr>
                           <m:ctrlPr>
-                            <a:rPr lang="ru-RU" i="1"/>
+                            <a:rPr lang="ru-RU" i="1">
+                              <a:latin typeface="Cambria Math"/>
+                            </a:rPr>
                           </m:ctrlPr>
                         </m:sSubSupPr>
                         <m:e>
@@ -3904,25 +3908,33 @@
                               <m:begChr m:val="{"/>
                               <m:endChr m:val="}"/>
                               <m:ctrlPr>
-                                <a:rPr lang="ru-RU" i="1"/>
+                                <a:rPr lang="ru-RU" i="1">
+                                  <a:latin typeface="Cambria Math"/>
+                                </a:rPr>
                               </m:ctrlPr>
                             </m:dPr>
                             <m:e>
                               <m:sSub>
                                 <m:sSubPr>
                                   <m:ctrlPr>
-                                    <a:rPr lang="ru-RU" i="1"/>
+                                    <a:rPr lang="ru-RU" i="1">
+                                      <a:latin typeface="Cambria Math"/>
+                                    </a:rPr>
                                   </m:ctrlPr>
                                 </m:sSubPr>
                                 <m:e>
                                   <m:r>
-                                    <a:rPr lang="en-US" i="1"/>
+                                    <a:rPr lang="en-US" i="1">
+                                      <a:latin typeface="Cambria Math"/>
+                                    </a:rPr>
                                     <m:t>𝑥</m:t>
                                   </m:r>
                                 </m:e>
                                 <m:sub>
                                   <m:r>
-                                    <a:rPr lang="en-US" i="1"/>
+                                    <a:rPr lang="en-US" i="1">
+                                      <a:latin typeface="Cambria Math"/>
+                                    </a:rPr>
                                     <m:t>𝑖</m:t>
                                   </m:r>
                                 </m:sub>
@@ -3930,25 +3942,33 @@
                               <m:d>
                                 <m:dPr>
                                   <m:ctrlPr>
-                                    <a:rPr lang="ru-RU" i="1"/>
+                                    <a:rPr lang="ru-RU" i="1">
+                                      <a:latin typeface="Cambria Math"/>
+                                    </a:rPr>
                                   </m:ctrlPr>
                                 </m:dPr>
                                 <m:e>
                                   <m:sSub>
                                     <m:sSubPr>
                                       <m:ctrlPr>
-                                        <a:rPr lang="ru-RU" i="1"/>
+                                        <a:rPr lang="ru-RU" i="1">
+                                          <a:latin typeface="Cambria Math"/>
+                                        </a:rPr>
                                       </m:ctrlPr>
                                     </m:sSubPr>
                                     <m:e>
                                       <m:r>
-                                        <a:rPr lang="en-US" i="1"/>
+                                        <a:rPr lang="en-US" i="1">
+                                          <a:latin typeface="Cambria Math"/>
+                                        </a:rPr>
                                         <m:t>𝑡</m:t>
                                       </m:r>
                                     </m:e>
                                     <m:sub>
                                       <m:r>
-                                        <a:rPr lang="en-US" i="1"/>
+                                        <a:rPr lang="en-US" i="1">
+                                          <a:latin typeface="Cambria Math"/>
+                                        </a:rPr>
                                         <m:t>𝑖</m:t>
                                       </m:r>
                                     </m:sub>
@@ -3956,24 +3976,32 @@
                                 </m:e>
                               </m:d>
                               <m:r>
-                                <a:rPr lang="en-US" i="1"/>
+                                <a:rPr lang="en-US" i="1">
+                                  <a:latin typeface="Cambria Math"/>
+                                </a:rPr>
                                 <m:t>, </m:t>
                               </m:r>
                               <m:sSub>
                                 <m:sSubPr>
                                   <m:ctrlPr>
-                                    <a:rPr lang="ru-RU" i="1"/>
+                                    <a:rPr lang="ru-RU" i="1">
+                                      <a:latin typeface="Cambria Math"/>
+                                    </a:rPr>
                                   </m:ctrlPr>
                                 </m:sSubPr>
                                 <m:e>
                                   <m:r>
-                                    <a:rPr lang="en-US" i="1"/>
+                                    <a:rPr lang="en-US" i="1">
+                                      <a:latin typeface="Cambria Math"/>
+                                    </a:rPr>
                                     <m:t>𝑦</m:t>
                                   </m:r>
                                 </m:e>
                                 <m:sub>
                                   <m:r>
-                                    <a:rPr lang="en-US" i="1"/>
+                                    <a:rPr lang="en-US" i="1">
+                                      <a:latin typeface="Cambria Math"/>
+                                    </a:rPr>
                                     <m:t>𝑖</m:t>
                                   </m:r>
                                 </m:sub>
@@ -3981,25 +4009,33 @@
                               <m:d>
                                 <m:dPr>
                                   <m:ctrlPr>
-                                    <a:rPr lang="ru-RU" i="1"/>
+                                    <a:rPr lang="ru-RU" i="1">
+                                      <a:latin typeface="Cambria Math"/>
+                                    </a:rPr>
                                   </m:ctrlPr>
                                 </m:dPr>
                                 <m:e>
                                   <m:sSub>
                                     <m:sSubPr>
                                       <m:ctrlPr>
-                                        <a:rPr lang="ru-RU" i="1"/>
+                                        <a:rPr lang="ru-RU" i="1">
+                                          <a:latin typeface="Cambria Math"/>
+                                        </a:rPr>
                                       </m:ctrlPr>
                                     </m:sSubPr>
                                     <m:e>
                                       <m:r>
-                                        <a:rPr lang="en-US" i="1"/>
+                                        <a:rPr lang="en-US" i="1">
+                                          <a:latin typeface="Cambria Math"/>
+                                        </a:rPr>
                                         <m:t>𝑡</m:t>
                                       </m:r>
                                     </m:e>
                                     <m:sub>
                                       <m:r>
-                                        <a:rPr lang="en-US" i="1"/>
+                                        <a:rPr lang="en-US" i="1">
+                                          <a:latin typeface="Cambria Math"/>
+                                        </a:rPr>
                                         <m:t>𝑖</m:t>
                                       </m:r>
                                     </m:sub>
@@ -4011,17 +4047,23 @@
                         </m:e>
                         <m:sub>
                           <m:r>
-                            <a:rPr lang="ru-RU" i="1"/>
+                            <a:rPr lang="ru-RU" i="1">
+                              <a:latin typeface="Cambria Math"/>
+                            </a:rPr>
                             <m:t>𝑖</m:t>
                           </m:r>
                           <m:r>
-                            <a:rPr lang="ru-RU" i="1"/>
+                            <a:rPr lang="ru-RU" i="1">
+                              <a:latin typeface="Cambria Math"/>
+                            </a:rPr>
                             <m:t>=0</m:t>
                           </m:r>
                         </m:sub>
                         <m:sup>
                           <m:r>
-                            <a:rPr lang="ru-RU" i="1"/>
+                            <a:rPr lang="ru-RU" i="1">
+                              <a:latin typeface="Cambria Math"/>
+                            </a:rPr>
                             <m:t>𝑛</m:t>
                           </m:r>
                         </m:sup>
@@ -4034,7 +4076,7 @@
             </p:txBody>
           </p:sp>
         </mc:Choice>
-        <mc:Fallback>
+        <mc:Fallback xmlns="">
           <p:sp>
             <p:nvSpPr>
               <p:cNvPr id="7" name="Rectangle 6"/>
@@ -4073,8 +4115,8 @@
           </p:sp>
         </mc:Fallback>
       </mc:AlternateContent>
-      <mc:AlternateContent xmlns:mc="http://schemas.openxmlformats.org/markup-compatibility/2006">
-        <mc:Choice xmlns:a14="http://schemas.microsoft.com/office/drawing/2010/main" Requires="a14">
+      <mc:AlternateContent xmlns:mc="http://schemas.openxmlformats.org/markup-compatibility/2006" xmlns:a14="http://schemas.microsoft.com/office/drawing/2010/main">
+        <mc:Choice Requires="a14">
           <p:sp>
             <p:nvSpPr>
               <p:cNvPr id="9" name="Rectangle 8"/>
@@ -4096,6 +4138,7 @@
               </a:bodyPr>
               <a:lstStyle/>
               <a:p>
+                <a:pPr/>
                 <a14:m>
                   <m:oMathPara xmlns:m="http://schemas.openxmlformats.org/officeDocument/2006/math">
                     <m:oMathParaPr>
@@ -4382,7 +4425,7 @@
             </p:txBody>
           </p:sp>
         </mc:Choice>
-        <mc:Fallback>
+        <mc:Fallback xmlns="">
           <p:sp>
             <p:nvSpPr>
               <p:cNvPr id="9" name="Rectangle 8"/>
@@ -4457,8 +4500,8 @@
           </a:fontRef>
         </p:style>
       </p:cxnSp>
-      <mc:AlternateContent xmlns:mc="http://schemas.openxmlformats.org/markup-compatibility/2006">
-        <mc:Choice xmlns:a14="http://schemas.microsoft.com/office/drawing/2010/main" Requires="a14">
+      <mc:AlternateContent xmlns:mc="http://schemas.openxmlformats.org/markup-compatibility/2006" xmlns:a14="http://schemas.microsoft.com/office/drawing/2010/main">
+        <mc:Choice Requires="a14">
           <p:sp>
             <p:nvSpPr>
               <p:cNvPr id="16" name="Rectangle 15"/>
@@ -4480,6 +4523,7 @@
               </a:bodyPr>
               <a:lstStyle/>
               <a:p>
+                <a:pPr/>
                 <a14:m>
                   <m:oMathPara xmlns:m="http://schemas.openxmlformats.org/officeDocument/2006/math">
                     <m:oMathParaPr>
@@ -4491,65 +4535,93 @@
                           <m:begChr m:val="{"/>
                           <m:endChr m:val=""/>
                           <m:ctrlPr>
-                            <a:rPr lang="ru-RU" i="1"/>
+                            <a:rPr lang="ru-RU" i="1">
+                              <a:latin typeface="Cambria Math"/>
+                            </a:rPr>
                           </m:ctrlPr>
                         </m:dPr>
                         <m:e>
                           <m:eqArr>
                             <m:eqArrPr>
                               <m:ctrlPr>
-                                <a:rPr lang="ru-RU" i="1"/>
+                                <a:rPr lang="ru-RU" i="1">
+                                  <a:latin typeface="Cambria Math"/>
+                                </a:rPr>
                               </m:ctrlPr>
                             </m:eqArrPr>
                             <m:e>
                               <m:r>
-                                <a:rPr lang="en-US" i="1"/>
+                                <a:rPr lang="en-US" i="1">
+                                  <a:latin typeface="Cambria Math"/>
+                                </a:rPr>
                                 <m:t>𝑥</m:t>
                               </m:r>
                               <m:r>
-                                <a:rPr lang="en-US" i="1"/>
+                                <a:rPr lang="en-US" i="1">
+                                  <a:latin typeface="Cambria Math"/>
+                                </a:rPr>
                                 <m:t>=</m:t>
                               </m:r>
                               <m:r>
-                                <a:rPr lang="en-US" i="1"/>
+                                <a:rPr lang="en-US" i="1">
+                                  <a:latin typeface="Cambria Math"/>
+                                </a:rPr>
                                 <m:t>𝑥</m:t>
                               </m:r>
                               <m:r>
-                                <a:rPr lang="en-US" i="1"/>
+                                <a:rPr lang="en-US" i="1">
+                                  <a:latin typeface="Cambria Math"/>
+                                </a:rPr>
                                 <m:t>(</m:t>
                               </m:r>
                               <m:r>
-                                <a:rPr lang="en-US" i="1"/>
+                                <a:rPr lang="en-US" i="1">
+                                  <a:latin typeface="Cambria Math"/>
+                                </a:rPr>
                                 <m:t>𝑡</m:t>
                               </m:r>
                               <m:r>
-                                <a:rPr lang="en-US" i="1"/>
+                                <a:rPr lang="en-US" i="1">
+                                  <a:latin typeface="Cambria Math"/>
+                                </a:rPr>
                                 <m:t>)</m:t>
                               </m:r>
                             </m:e>
                             <m:e>
                               <m:r>
-                                <a:rPr lang="en-US" i="1"/>
+                                <a:rPr lang="en-US" i="1">
+                                  <a:latin typeface="Cambria Math"/>
+                                </a:rPr>
                                 <m:t>𝑦</m:t>
                               </m:r>
                               <m:r>
-                                <a:rPr lang="en-US" i="1"/>
+                                <a:rPr lang="en-US" i="1">
+                                  <a:latin typeface="Cambria Math"/>
+                                </a:rPr>
                                 <m:t>=</m:t>
                               </m:r>
                               <m:r>
-                                <a:rPr lang="en-US" i="1"/>
+                                <a:rPr lang="en-US" i="1">
+                                  <a:latin typeface="Cambria Math"/>
+                                </a:rPr>
                                 <m:t>𝑦</m:t>
                               </m:r>
                               <m:r>
-                                <a:rPr lang="en-US" i="1"/>
+                                <a:rPr lang="en-US" i="1">
+                                  <a:latin typeface="Cambria Math"/>
+                                </a:rPr>
                                 <m:t>(</m:t>
                               </m:r>
                               <m:r>
-                                <a:rPr lang="en-US" i="1"/>
+                                <a:rPr lang="en-US" i="1">
+                                  <a:latin typeface="Cambria Math"/>
+                                </a:rPr>
                                 <m:t>𝑡</m:t>
                               </m:r>
                               <m:r>
-                                <a:rPr lang="en-US" i="1"/>
+                                <a:rPr lang="en-US" i="1">
+                                  <a:latin typeface="Cambria Math"/>
+                                </a:rPr>
                                 <m:t>)</m:t>
                               </m:r>
                             </m:e>
@@ -4557,15 +4629,21 @@
                         </m:e>
                       </m:d>
                       <m:r>
-                        <a:rPr lang="en-US" i="1"/>
+                        <a:rPr lang="en-US" i="1">
+                          <a:latin typeface="Cambria Math"/>
+                        </a:rPr>
                         <m:t>, </m:t>
                       </m:r>
                       <m:r>
-                        <a:rPr lang="en-US" i="1"/>
+                        <a:rPr lang="en-US" i="1">
+                          <a:latin typeface="Cambria Math"/>
+                        </a:rPr>
                         <m:t>𝑡</m:t>
                       </m:r>
                       <m:r>
-                        <a:rPr lang="en-US" i="1"/>
+                        <a:rPr lang="en-US" i="1">
+                          <a:latin typeface="Cambria Math"/>
+                        </a:rPr>
                         <m:t>∈</m:t>
                       </m:r>
                       <m:d>
@@ -4573,54 +4651,72 @@
                           <m:begChr m:val="["/>
                           <m:endChr m:val="]"/>
                           <m:ctrlPr>
-                            <a:rPr lang="ru-RU" i="1"/>
+                            <a:rPr lang="ru-RU" i="1">
+                              <a:latin typeface="Cambria Math"/>
+                            </a:rPr>
                           </m:ctrlPr>
                         </m:dPr>
                         <m:e>
                           <m:sSub>
                             <m:sSubPr>
                               <m:ctrlPr>
-                                <a:rPr lang="ru-RU" i="1"/>
+                                <a:rPr lang="ru-RU" i="1">
+                                  <a:latin typeface="Cambria Math"/>
+                                </a:rPr>
                               </m:ctrlPr>
                             </m:sSubPr>
                             <m:e>
                               <m:r>
-                                <a:rPr lang="en-US" i="1"/>
+                                <a:rPr lang="en-US" i="1">
+                                  <a:latin typeface="Cambria Math"/>
+                                </a:rPr>
                                 <m:t>𝑡</m:t>
                               </m:r>
                             </m:e>
                             <m:sub>
                               <m:r>
-                                <a:rPr lang="en-US" i="1"/>
+                                <a:rPr lang="en-US" i="1">
+                                  <a:latin typeface="Cambria Math"/>
+                                </a:rPr>
                                 <m:t>0</m:t>
                               </m:r>
                             </m:sub>
                           </m:sSub>
                           <m:r>
-                            <a:rPr lang="en-US" i="1"/>
+                            <a:rPr lang="en-US" i="1">
+                              <a:latin typeface="Cambria Math"/>
+                            </a:rPr>
                             <m:t>,</m:t>
                           </m:r>
                           <m:sSub>
                             <m:sSubPr>
                               <m:ctrlPr>
-                                <a:rPr lang="ru-RU" i="1"/>
+                                <a:rPr lang="ru-RU" i="1">
+                                  <a:latin typeface="Cambria Math"/>
+                                </a:rPr>
                               </m:ctrlPr>
                             </m:sSubPr>
                             <m:e>
                               <m:r>
-                                <a:rPr lang="en-US" i="1"/>
+                                <a:rPr lang="en-US" i="1">
+                                  <a:latin typeface="Cambria Math"/>
+                                </a:rPr>
                                 <m:t>𝑡</m:t>
                               </m:r>
                             </m:e>
                             <m:sub>
                               <m:r>
-                                <a:rPr lang="en-US" i="1"/>
+                                <a:rPr lang="en-US" i="1">
+                                  <a:latin typeface="Cambria Math"/>
+                                </a:rPr>
                                 <m:t>𝑛</m:t>
                               </m:r>
                             </m:sub>
                           </m:sSub>
                           <m:r>
-                            <a:rPr lang="en-US" i="1"/>
+                            <a:rPr lang="en-US" i="1">
+                              <a:latin typeface="Cambria Math"/>
+                            </a:rPr>
                             <m:t> </m:t>
                           </m:r>
                         </m:e>
@@ -4633,7 +4729,7 @@
             </p:txBody>
           </p:sp>
         </mc:Choice>
-        <mc:Fallback>
+        <mc:Fallback xmlns="">
           <p:sp>
             <p:nvSpPr>
               <p:cNvPr id="16" name="Rectangle 15"/>
@@ -4711,8 +4807,8 @@
           </a:fontRef>
         </p:style>
       </p:cxnSp>
-      <mc:AlternateContent xmlns:mc="http://schemas.openxmlformats.org/markup-compatibility/2006">
-        <mc:Choice xmlns:a14="http://schemas.microsoft.com/office/drawing/2010/main" Requires="a14">
+      <mc:AlternateContent xmlns:mc="http://schemas.openxmlformats.org/markup-compatibility/2006" xmlns:a14="http://schemas.microsoft.com/office/drawing/2010/main">
+        <mc:Choice Requires="a14">
           <p:sp>
             <p:nvSpPr>
               <p:cNvPr id="19" name="Rectangle 18"/>
@@ -4734,6 +4830,7 @@
               </a:bodyPr>
               <a:lstStyle/>
               <a:p>
+                <a:pPr/>
                 <a14:m>
                   <m:oMathPara xmlns:m="http://schemas.openxmlformats.org/officeDocument/2006/math">
                     <m:oMathParaPr>
@@ -4745,65 +4842,93 @@
                           <m:begChr m:val="{"/>
                           <m:endChr m:val=""/>
                           <m:ctrlPr>
-                            <a:rPr lang="ru-RU" i="1"/>
+                            <a:rPr lang="ru-RU" i="1">
+                              <a:latin typeface="Cambria Math"/>
+                            </a:rPr>
                           </m:ctrlPr>
                         </m:dPr>
                         <m:e>
                           <m:eqArr>
                             <m:eqArrPr>
                               <m:ctrlPr>
-                                <a:rPr lang="ru-RU" i="1"/>
+                                <a:rPr lang="ru-RU" i="1">
+                                  <a:latin typeface="Cambria Math"/>
+                                </a:rPr>
                               </m:ctrlPr>
                             </m:eqArrPr>
                             <m:e>
                               <m:r>
-                                <a:rPr lang="en-US" i="1"/>
+                                <a:rPr lang="en-US" i="1">
+                                  <a:latin typeface="Cambria Math"/>
+                                </a:rPr>
                                 <m:t>𝑥</m:t>
                               </m:r>
                               <m:r>
-                                <a:rPr lang="en-US" i="1"/>
+                                <a:rPr lang="en-US" i="1">
+                                  <a:latin typeface="Cambria Math"/>
+                                </a:rPr>
                                 <m:t>=</m:t>
                               </m:r>
                               <m:r>
-                                <a:rPr lang="en-US" i="1"/>
+                                <a:rPr lang="en-US" i="1">
+                                  <a:latin typeface="Cambria Math"/>
+                                </a:rPr>
                                 <m:t>𝑥</m:t>
                               </m:r>
                               <m:r>
-                                <a:rPr lang="en-US" i="1"/>
+                                <a:rPr lang="en-US" i="1">
+                                  <a:latin typeface="Cambria Math"/>
+                                </a:rPr>
                                 <m:t>(</m:t>
                               </m:r>
                               <m:r>
-                                <a:rPr lang="en-US" i="1"/>
+                                <a:rPr lang="en-US" i="1">
+                                  <a:latin typeface="Cambria Math"/>
+                                </a:rPr>
                                 <m:t>𝑠</m:t>
                               </m:r>
                               <m:r>
-                                <a:rPr lang="en-US" i="1"/>
+                                <a:rPr lang="en-US" i="1">
+                                  <a:latin typeface="Cambria Math"/>
+                                </a:rPr>
                                 <m:t>)</m:t>
                               </m:r>
                             </m:e>
                             <m:e>
                               <m:r>
-                                <a:rPr lang="en-US" i="1"/>
+                                <a:rPr lang="en-US" i="1">
+                                  <a:latin typeface="Cambria Math"/>
+                                </a:rPr>
                                 <m:t>𝑦</m:t>
                               </m:r>
                               <m:r>
-                                <a:rPr lang="en-US" i="1"/>
+                                <a:rPr lang="en-US" i="1">
+                                  <a:latin typeface="Cambria Math"/>
+                                </a:rPr>
                                 <m:t>=</m:t>
                               </m:r>
                               <m:r>
-                                <a:rPr lang="en-US" i="1"/>
+                                <a:rPr lang="en-US" i="1">
+                                  <a:latin typeface="Cambria Math"/>
+                                </a:rPr>
                                 <m:t>𝑦</m:t>
                               </m:r>
                               <m:r>
-                                <a:rPr lang="en-US" i="1"/>
+                                <a:rPr lang="en-US" i="1">
+                                  <a:latin typeface="Cambria Math"/>
+                                </a:rPr>
                                 <m:t>(</m:t>
                               </m:r>
                               <m:r>
-                                <a:rPr lang="en-US" i="1"/>
+                                <a:rPr lang="en-US" i="1">
+                                  <a:latin typeface="Cambria Math"/>
+                                </a:rPr>
                                 <m:t>𝑠</m:t>
                               </m:r>
                               <m:r>
-                                <a:rPr lang="en-US" i="1"/>
+                                <a:rPr lang="en-US" i="1">
+                                  <a:latin typeface="Cambria Math"/>
+                                </a:rPr>
                                 <m:t>)</m:t>
                               </m:r>
                             </m:e>
@@ -4811,15 +4936,21 @@
                         </m:e>
                       </m:d>
                       <m:r>
-                        <a:rPr lang="en-US" i="1"/>
+                        <a:rPr lang="en-US" i="1">
+                          <a:latin typeface="Cambria Math"/>
+                        </a:rPr>
                         <m:t>, </m:t>
                       </m:r>
                       <m:r>
-                        <a:rPr lang="en-US" i="1"/>
+                        <a:rPr lang="en-US" i="1">
+                          <a:latin typeface="Cambria Math"/>
+                        </a:rPr>
                         <m:t>𝑠</m:t>
                       </m:r>
                       <m:r>
-                        <a:rPr lang="en-US" i="1"/>
+                        <a:rPr lang="en-US" i="1">
+                          <a:latin typeface="Cambria Math"/>
+                        </a:rPr>
                         <m:t>∈</m:t>
                       </m:r>
                       <m:d>
@@ -4827,20 +4958,28 @@
                           <m:begChr m:val="["/>
                           <m:endChr m:val="]"/>
                           <m:ctrlPr>
-                            <a:rPr lang="ru-RU" i="1"/>
+                            <a:rPr lang="ru-RU" i="1">
+                              <a:latin typeface="Cambria Math"/>
+                            </a:rPr>
                           </m:ctrlPr>
                         </m:dPr>
                         <m:e>
                           <m:r>
-                            <a:rPr lang="en-US" i="1"/>
+                            <a:rPr lang="en-US" i="1">
+                              <a:latin typeface="Cambria Math"/>
+                            </a:rPr>
                             <m:t>0,</m:t>
                           </m:r>
                           <m:r>
-                            <a:rPr lang="en-US" i="1"/>
+                            <a:rPr lang="en-US" i="1">
+                              <a:latin typeface="Cambria Math"/>
+                            </a:rPr>
                             <m:t>𝑆</m:t>
                           </m:r>
                           <m:r>
-                            <a:rPr lang="en-US" i="1"/>
+                            <a:rPr lang="en-US" i="1">
+                              <a:latin typeface="Cambria Math"/>
+                            </a:rPr>
                             <m:t> </m:t>
                           </m:r>
                         </m:e>
@@ -4853,7 +4992,7 @@
             </p:txBody>
           </p:sp>
         </mc:Choice>
-        <mc:Fallback>
+        <mc:Fallback xmlns="">
           <p:sp>
             <p:nvSpPr>
               <p:cNvPr id="19" name="Rectangle 18"/>
@@ -4928,8 +5067,8 @@
           </a:fontRef>
         </p:style>
       </p:cxnSp>
-      <mc:AlternateContent xmlns:mc="http://schemas.openxmlformats.org/markup-compatibility/2006">
-        <mc:Choice xmlns:a14="http://schemas.microsoft.com/office/drawing/2010/main" Requires="a14">
+      <mc:AlternateContent xmlns:mc="http://schemas.openxmlformats.org/markup-compatibility/2006" xmlns:a14="http://schemas.microsoft.com/office/drawing/2010/main">
+        <mc:Choice Requires="a14">
           <p:sp>
             <p:nvSpPr>
               <p:cNvPr id="24" name="Rectangle 23"/>
@@ -4951,6 +5090,7 @@
               </a:bodyPr>
               <a:lstStyle/>
               <a:p>
+                <a:pPr/>
                 <a14:m>
                   <m:oMathPara xmlns:m="http://schemas.openxmlformats.org/officeDocument/2006/math">
                     <m:oMathParaPr>
@@ -4960,7 +5100,9 @@
                       <m:sSubSup>
                         <m:sSubSupPr>
                           <m:ctrlPr>
-                            <a:rPr lang="ru-RU" i="1"/>
+                            <a:rPr lang="ru-RU" i="1">
+                              <a:latin typeface="Cambria Math"/>
+                            </a:rPr>
                           </m:ctrlPr>
                         </m:sSubSupPr>
                         <m:e>
@@ -4969,25 +5111,33 @@
                               <m:begChr m:val="{"/>
                               <m:endChr m:val="}"/>
                               <m:ctrlPr>
-                                <a:rPr lang="ru-RU" i="1"/>
+                                <a:rPr lang="ru-RU" i="1">
+                                  <a:latin typeface="Cambria Math"/>
+                                </a:rPr>
                               </m:ctrlPr>
                             </m:dPr>
                             <m:e>
                               <m:sSub>
                                 <m:sSubPr>
                                   <m:ctrlPr>
-                                    <a:rPr lang="ru-RU" i="1"/>
+                                    <a:rPr lang="ru-RU" i="1">
+                                      <a:latin typeface="Cambria Math"/>
+                                    </a:rPr>
                                   </m:ctrlPr>
                                 </m:sSubPr>
                                 <m:e>
                                   <m:r>
-                                    <a:rPr lang="en-US" i="1"/>
+                                    <a:rPr lang="en-US" i="1">
+                                      <a:latin typeface="Cambria Math"/>
+                                    </a:rPr>
                                     <m:t>𝑥</m:t>
                                   </m:r>
                                 </m:e>
                                 <m:sub>
                                   <m:r>
-                                    <a:rPr lang="en-US" i="1"/>
+                                    <a:rPr lang="en-US" i="1">
+                                      <a:latin typeface="Cambria Math"/>
+                                    </a:rPr>
                                     <m:t>𝑖</m:t>
                                   </m:r>
                                 </m:sub>
@@ -4995,25 +5145,33 @@
                               <m:d>
                                 <m:dPr>
                                   <m:ctrlPr>
-                                    <a:rPr lang="ru-RU" i="1"/>
+                                    <a:rPr lang="ru-RU" i="1">
+                                      <a:latin typeface="Cambria Math"/>
+                                    </a:rPr>
                                   </m:ctrlPr>
                                 </m:dPr>
                                 <m:e>
                                   <m:sSub>
                                     <m:sSubPr>
                                       <m:ctrlPr>
-                                        <a:rPr lang="ru-RU" i="1"/>
+                                        <a:rPr lang="ru-RU" i="1">
+                                          <a:latin typeface="Cambria Math"/>
+                                        </a:rPr>
                                       </m:ctrlPr>
                                     </m:sSubPr>
                                     <m:e>
                                       <m:r>
-                                        <a:rPr lang="en-US" i="1"/>
+                                        <a:rPr lang="en-US" i="1">
+                                          <a:latin typeface="Cambria Math"/>
+                                        </a:rPr>
                                         <m:t>𝑠</m:t>
                                       </m:r>
                                     </m:e>
                                     <m:sub>
                                       <m:r>
-                                        <a:rPr lang="en-US" i="1"/>
+                                        <a:rPr lang="en-US" i="1">
+                                          <a:latin typeface="Cambria Math"/>
+                                        </a:rPr>
                                         <m:t>𝑖</m:t>
                                       </m:r>
                                     </m:sub>
@@ -5021,53 +5179,71 @@
                                 </m:e>
                               </m:d>
                               <m:r>
-                                <a:rPr lang="en-US" i="1"/>
+                                <a:rPr lang="en-US" i="1">
+                                  <a:latin typeface="Cambria Math"/>
+                                </a:rPr>
                                 <m:t>, </m:t>
                               </m:r>
                               <m:sSub>
                                 <m:sSubPr>
                                   <m:ctrlPr>
-                                    <a:rPr lang="ru-RU" i="1"/>
+                                    <a:rPr lang="ru-RU" i="1">
+                                      <a:latin typeface="Cambria Math"/>
+                                    </a:rPr>
                                   </m:ctrlPr>
                                 </m:sSubPr>
                                 <m:e>
                                   <m:r>
-                                    <a:rPr lang="en-US" i="1"/>
+                                    <a:rPr lang="en-US" i="1">
+                                      <a:latin typeface="Cambria Math"/>
+                                    </a:rPr>
                                     <m:t>𝑦</m:t>
                                   </m:r>
                                 </m:e>
                                 <m:sub>
                                   <m:r>
-                                    <a:rPr lang="en-US" i="1"/>
+                                    <a:rPr lang="en-US" i="1">
+                                      <a:latin typeface="Cambria Math"/>
+                                    </a:rPr>
                                     <m:t>𝑖</m:t>
                                   </m:r>
                                 </m:sub>
                               </m:sSub>
                               <m:r>
-                                <a:rPr lang="en-US" i="1"/>
+                                <a:rPr lang="en-US" i="1">
+                                  <a:latin typeface="Cambria Math"/>
+                                </a:rPr>
                                 <m:t>(</m:t>
                               </m:r>
                               <m:sSub>
                                 <m:sSubPr>
                                   <m:ctrlPr>
-                                    <a:rPr lang="ru-RU" i="1"/>
+                                    <a:rPr lang="ru-RU" i="1">
+                                      <a:latin typeface="Cambria Math"/>
+                                    </a:rPr>
                                   </m:ctrlPr>
                                 </m:sSubPr>
                                 <m:e>
                                   <m:r>
-                                    <a:rPr lang="en-US" i="1"/>
+                                    <a:rPr lang="en-US" i="1">
+                                      <a:latin typeface="Cambria Math"/>
+                                    </a:rPr>
                                     <m:t>𝑠</m:t>
                                   </m:r>
                                 </m:e>
                                 <m:sub>
                                   <m:r>
-                                    <a:rPr lang="en-US" i="1"/>
+                                    <a:rPr lang="en-US" i="1">
+                                      <a:latin typeface="Cambria Math"/>
+                                    </a:rPr>
                                     <m:t>𝑖</m:t>
                                   </m:r>
                                 </m:sub>
                               </m:sSub>
                               <m:r>
-                                <a:rPr lang="en-US" i="1"/>
+                                <a:rPr lang="en-US" i="1">
+                                  <a:latin typeface="Cambria Math"/>
+                                </a:rPr>
                                 <m:t>)</m:t>
                               </m:r>
                             </m:e>
@@ -5075,35 +5251,49 @@
                         </m:e>
                         <m:sub>
                           <m:r>
-                            <a:rPr lang="en-US" i="1"/>
+                            <a:rPr lang="en-US" i="1">
+                              <a:latin typeface="Cambria Math"/>
+                            </a:rPr>
                             <m:t>𝑖</m:t>
                           </m:r>
                           <m:r>
-                            <a:rPr lang="en-US" i="1"/>
+                            <a:rPr lang="en-US" i="1">
+                              <a:latin typeface="Cambria Math"/>
+                            </a:rPr>
                             <m:t>=1</m:t>
                           </m:r>
                         </m:sub>
                         <m:sup>
                           <m:r>
-                            <a:rPr lang="en-US" i="1"/>
+                            <a:rPr lang="en-US" i="1">
+                              <a:latin typeface="Cambria Math"/>
+                            </a:rPr>
                             <m:t>𝑘</m:t>
                           </m:r>
                         </m:sup>
                       </m:sSubSup>
                       <m:r>
-                        <a:rPr lang="en-US" i="1"/>
+                        <a:rPr lang="en-US" i="1">
+                          <a:latin typeface="Cambria Math"/>
+                        </a:rPr>
                         <m:t>, </m:t>
                       </m:r>
                       <m:r>
-                        <a:rPr lang="en-US" i="1"/>
+                        <a:rPr lang="en-US" i="1">
+                          <a:latin typeface="Cambria Math"/>
+                        </a:rPr>
                         <m:t>𝑘</m:t>
                       </m:r>
                       <m:r>
-                        <a:rPr lang="en-US" i="1"/>
+                        <a:rPr lang="en-US" i="1">
+                          <a:latin typeface="Cambria Math"/>
+                        </a:rPr>
                         <m:t>≪</m:t>
                       </m:r>
                       <m:r>
-                        <a:rPr lang="en-US" i="1"/>
+                        <a:rPr lang="en-US" i="1">
+                          <a:latin typeface="Cambria Math"/>
+                        </a:rPr>
                         <m:t>𝑛</m:t>
                       </m:r>
                     </m:oMath>
@@ -5114,7 +5304,7 @@
             </p:txBody>
           </p:sp>
         </mc:Choice>
-        <mc:Fallback>
+        <mc:Fallback xmlns="">
           <p:sp>
             <p:nvSpPr>
               <p:cNvPr id="24" name="Rectangle 23"/>
@@ -5189,6 +5379,137 @@
           </a:fontRef>
         </p:style>
       </p:cxnSp>
+      <p:sp>
+        <p:nvSpPr>
+          <p:cNvPr id="4" name="TextBox 3"/>
+          <p:cNvSpPr txBox="1"/>
+          <p:nvPr/>
+        </p:nvSpPr>
+        <p:spPr>
+          <a:xfrm>
+            <a:off x="89265" y="1846565"/>
+            <a:ext cx="1305263" cy="646331"/>
+          </a:xfrm>
+          <a:prstGeom prst="rect">
+            <a:avLst/>
+          </a:prstGeom>
+          <a:noFill/>
+        </p:spPr>
+        <p:txBody>
+          <a:bodyPr wrap="square" rtlCol="0">
+            <a:spAutoFit/>
+          </a:bodyPr>
+          <a:lstStyle/>
+          <a:p>
+            <a:r>
+              <a:rPr lang="ru-RU" dirty="0" smtClean="0"/>
+              <a:t>Масштаби-</a:t>
+            </a:r>
+            <a:br>
+              <a:rPr lang="ru-RU" dirty="0" smtClean="0"/>
+            </a:br>
+            <a:r>
+              <a:rPr lang="ru-RU" dirty="0" smtClean="0"/>
+              <a:t>рование</a:t>
+            </a:r>
+            <a:endParaRPr lang="ru-RU" dirty="0"/>
+          </a:p>
+        </p:txBody>
+      </p:sp>
+      <p:sp>
+        <p:nvSpPr>
+          <p:cNvPr id="5" name="TextBox 4"/>
+          <p:cNvSpPr txBox="1"/>
+          <p:nvPr/>
+        </p:nvSpPr>
+        <p:spPr>
+          <a:xfrm>
+            <a:off x="1115616" y="2892768"/>
+            <a:ext cx="1675358" cy="368053"/>
+          </a:xfrm>
+          <a:prstGeom prst="rect">
+            <a:avLst/>
+          </a:prstGeom>
+          <a:noFill/>
+        </p:spPr>
+        <p:txBody>
+          <a:bodyPr wrap="square" rtlCol="0">
+            <a:spAutoFit/>
+          </a:bodyPr>
+          <a:lstStyle/>
+          <a:p>
+            <a:r>
+              <a:rPr lang="ru-RU" dirty="0" smtClean="0"/>
+              <a:t>Интерполяция</a:t>
+            </a:r>
+            <a:endParaRPr lang="ru-RU" dirty="0"/>
+          </a:p>
+        </p:txBody>
+      </p:sp>
+      <p:sp>
+        <p:nvSpPr>
+          <p:cNvPr id="6" name="TextBox 5"/>
+          <p:cNvSpPr txBox="1"/>
+          <p:nvPr/>
+        </p:nvSpPr>
+        <p:spPr>
+          <a:xfrm>
+            <a:off x="2260455" y="3950078"/>
+            <a:ext cx="2042641" cy="369332"/>
+          </a:xfrm>
+          <a:prstGeom prst="rect">
+            <a:avLst/>
+          </a:prstGeom>
+          <a:noFill/>
+        </p:spPr>
+        <p:txBody>
+          <a:bodyPr wrap="square" rtlCol="0">
+            <a:spAutoFit/>
+          </a:bodyPr>
+          <a:lstStyle/>
+          <a:p>
+            <a:r>
+              <a:rPr lang="ru-RU" dirty="0"/>
+              <a:t>Р</a:t>
+            </a:r>
+            <a:r>
+              <a:rPr lang="ru-RU" dirty="0" smtClean="0"/>
+              <a:t>епараметризация</a:t>
+            </a:r>
+            <a:endParaRPr lang="ru-RU" dirty="0"/>
+          </a:p>
+        </p:txBody>
+      </p:sp>
+      <p:sp>
+        <p:nvSpPr>
+          <p:cNvPr id="8" name="TextBox 7"/>
+          <p:cNvSpPr txBox="1"/>
+          <p:nvPr/>
+        </p:nvSpPr>
+        <p:spPr>
+          <a:xfrm>
+            <a:off x="3615449" y="4965499"/>
+            <a:ext cx="2376264" cy="646331"/>
+          </a:xfrm>
+          <a:prstGeom prst="rect">
+            <a:avLst/>
+          </a:prstGeom>
+          <a:noFill/>
+        </p:spPr>
+        <p:txBody>
+          <a:bodyPr wrap="square" rtlCol="0">
+            <a:spAutoFit/>
+          </a:bodyPr>
+          <a:lstStyle/>
+          <a:p>
+            <a:r>
+              <a:rPr lang="ru-RU" dirty="0" smtClean="0"/>
+              <a:t>Выделение экстремальных точек</a:t>
+            </a:r>
+            <a:endParaRPr lang="ru-RU" dirty="0"/>
+          </a:p>
+        </p:txBody>
+      </p:sp>
     </p:spTree>
     <p:extLst>
       <p:ext uri="{BB962C8B-B14F-4D97-AF65-F5344CB8AC3E}">
@@ -5687,13 +6008,13 @@
       </p:sp>
       <p:pic>
         <p:nvPicPr>
-          <p:cNvPr id="4" name="Picture 3"/>
+          <p:cNvPr id="1026" name="Picture 2"/>
           <p:cNvPicPr>
-            <a:picLocks noChangeAspect="1"/>
+            <a:picLocks noChangeAspect="1" noChangeArrowheads="1"/>
           </p:cNvPicPr>
           <p:nvPr/>
         </p:nvPicPr>
-        <p:blipFill rotWithShape="1">
+        <p:blipFill>
           <a:blip r:embed="rId2">
             <a:extLst>
               <a:ext uri="{28A0092B-C50C-407E-A947-70E740481C1C}">
@@ -5701,58 +6022,44 @@
               </a:ext>
             </a:extLst>
           </a:blip>
-          <a:srcRect t="4092" b="7337"/>
-          <a:stretch/>
+          <a:srcRect/>
+          <a:stretch>
+            <a:fillRect/>
+          </a:stretch>
         </p:blipFill>
-        <p:spPr>
+        <p:spPr bwMode="auto">
           <a:xfrm>
-            <a:off x="0" y="1196752"/>
-            <a:ext cx="9144000" cy="4724401"/>
-          </a:xfrm>
-          <a:prstGeom prst="rect">
-            <a:avLst/>
-          </a:prstGeom>
-        </p:spPr>
-      </p:pic>
-      <p:sp>
-        <p:nvSpPr>
-          <p:cNvPr id="5" name="TextBox 4"/>
-          <p:cNvSpPr txBox="1"/>
-          <p:nvPr/>
-        </p:nvSpPr>
-        <p:spPr>
-          <a:xfrm>
-            <a:off x="539552" y="6021288"/>
-            <a:ext cx="7848872" cy="646331"/>
+            <a:off x="233734" y="1556792"/>
+            <a:ext cx="8658746" cy="4455343"/>
           </a:xfrm>
           <a:prstGeom prst="rect">
             <a:avLst/>
           </a:prstGeom>
           <a:noFill/>
+          <a:ln>
+            <a:noFill/>
+          </a:ln>
+          <a:extLst>
+            <a:ext uri="{909E8E84-426E-40DD-AFC4-6F175D3DCCD1}">
+              <a14:hiddenFill xmlns:a14="http://schemas.microsoft.com/office/drawing/2010/main">
+                <a:solidFill>
+                  <a:schemeClr val="accent1"/>
+                </a:solidFill>
+              </a14:hiddenFill>
+            </a:ext>
+            <a:ext uri="{91240B29-F687-4F45-9708-019B960494DF}">
+              <a14:hiddenLine xmlns:a14="http://schemas.microsoft.com/office/drawing/2010/main" w="9525">
+                <a:solidFill>
+                  <a:schemeClr val="tx1"/>
+                </a:solidFill>
+                <a:miter lim="800000"/>
+                <a:headEnd/>
+                <a:tailEnd/>
+              </a14:hiddenLine>
+            </a:ext>
+          </a:extLst>
         </p:spPr>
-        <p:txBody>
-          <a:bodyPr wrap="square" rtlCol="0">
-            <a:spAutoFit/>
-          </a:bodyPr>
-          <a:lstStyle/>
-          <a:p>
-            <a:pPr algn="ctr"/>
-            <a:r>
-              <a:rPr lang="ru-RU" dirty="0" smtClean="0"/>
-              <a:t>Рисунок 1 – </a:t>
-            </a:r>
-            <a:r>
-              <a:rPr lang="en-US" dirty="0" smtClean="0"/>
-              <a:t>UML </a:t>
-            </a:r>
-            <a:r>
-              <a:rPr lang="ru-RU" dirty="0" smtClean="0"/>
-              <a:t>диаграмма иерархии наследования классов параметрически заданных функций</a:t>
-            </a:r>
-            <a:endParaRPr lang="ru-RU" dirty="0"/>
-          </a:p>
-        </p:txBody>
-      </p:sp>
+      </p:pic>
     </p:spTree>
     <p:extLst>
       <p:ext uri="{BB962C8B-B14F-4D97-AF65-F5344CB8AC3E}">
@@ -5785,30 +6092,7 @@
       </p:grpSpPr>
       <p:sp>
         <p:nvSpPr>
-          <p:cNvPr id="2" name="Title 1"/>
-          <p:cNvSpPr>
-            <a:spLocks noGrp="1"/>
-          </p:cNvSpPr>
-          <p:nvPr>
-            <p:ph type="title"/>
-          </p:nvPr>
-        </p:nvSpPr>
-        <p:spPr/>
-        <p:txBody>
-          <a:bodyPr/>
-          <a:lstStyle/>
-          <a:p>
-            <a:r>
-              <a:rPr lang="ru-RU" dirty="0" smtClean="0"/>
-              <a:t>Матчеры и ресолверы</a:t>
-            </a:r>
-            <a:endParaRPr lang="ru-RU" dirty="0"/>
-          </a:p>
-        </p:txBody>
-      </p:sp>
-      <p:sp>
-        <p:nvSpPr>
-          <p:cNvPr id="3" name="Slide Number Placeholder 2"/>
+          <p:cNvPr id="2" name="Slide Number Placeholder 1"/>
           <p:cNvSpPr>
             <a:spLocks noGrp="1"/>
           </p:cNvSpPr>
@@ -5829,15 +6113,61 @@
           </a:p>
         </p:txBody>
       </p:sp>
+      <p:sp>
+        <p:nvSpPr>
+          <p:cNvPr id="3" name="Title 1"/>
+          <p:cNvSpPr txBox="1">
+            <a:spLocks/>
+          </p:cNvSpPr>
+          <p:nvPr/>
+        </p:nvSpPr>
+        <p:spPr>
+          <a:xfrm>
+            <a:off x="457200" y="274638"/>
+            <a:ext cx="8229600" cy="1143000"/>
+          </a:xfrm>
+          <a:prstGeom prst="rect">
+            <a:avLst/>
+          </a:prstGeom>
+        </p:spPr>
+        <p:txBody>
+          <a:bodyPr>
+            <a:normAutofit fontScale="90000"/>
+          </a:bodyPr>
+          <a:lstStyle>
+            <a:lvl1pPr algn="ctr" defTabSz="914400" rtl="0" eaLnBrk="1" latinLnBrk="0" hangingPunct="1">
+              <a:spcBef>
+                <a:spcPct val="0"/>
+              </a:spcBef>
+              <a:buNone/>
+              <a:defRPr sz="4400" kern="1200">
+                <a:solidFill>
+                  <a:schemeClr val="tx1"/>
+                </a:solidFill>
+                <a:latin typeface="+mj-lt"/>
+                <a:ea typeface="+mj-ea"/>
+                <a:cs typeface="+mj-cs"/>
+              </a:defRPr>
+            </a:lvl1pPr>
+          </a:lstStyle>
+          <a:p>
+            <a:r>
+              <a:rPr lang="ru-RU" dirty="0" smtClean="0"/>
+              <a:t>Параметрически заданные кривые</a:t>
+            </a:r>
+            <a:endParaRPr lang="ru-RU" dirty="0"/>
+          </a:p>
+        </p:txBody>
+      </p:sp>
       <p:pic>
         <p:nvPicPr>
-          <p:cNvPr id="4" name="Picture 3"/>
+          <p:cNvPr id="2050" name="Picture 2"/>
           <p:cNvPicPr>
-            <a:picLocks noChangeAspect="1"/>
+            <a:picLocks noChangeAspect="1" noChangeArrowheads="1"/>
           </p:cNvPicPr>
           <p:nvPr/>
         </p:nvPicPr>
-        <p:blipFill rotWithShape="1">
+        <p:blipFill>
           <a:blip r:embed="rId2">
             <a:extLst>
               <a:ext uri="{28A0092B-C50C-407E-A947-70E740481C1C}">
@@ -5845,68 +6175,61 @@
               </a:ext>
             </a:extLst>
           </a:blip>
-          <a:srcRect l="3853" r="4687"/>
-          <a:stretch/>
+          <a:srcRect/>
+          <a:stretch>
+            <a:fillRect/>
+          </a:stretch>
         </p:blipFill>
-        <p:spPr>
+        <p:spPr bwMode="auto">
           <a:xfrm>
-            <a:off x="0" y="1724558"/>
-            <a:ext cx="9144000" cy="2856570"/>
-          </a:xfrm>
-          <a:prstGeom prst="rect">
-            <a:avLst/>
-          </a:prstGeom>
-        </p:spPr>
-      </p:pic>
-      <p:sp>
-        <p:nvSpPr>
-          <p:cNvPr id="5" name="TextBox 4"/>
-          <p:cNvSpPr txBox="1"/>
-          <p:nvPr/>
-        </p:nvSpPr>
-        <p:spPr>
-          <a:xfrm>
-            <a:off x="899592" y="4581128"/>
-            <a:ext cx="7488832" cy="646331"/>
+            <a:off x="2915816" y="1268760"/>
+            <a:ext cx="3384376" cy="5058751"/>
           </a:xfrm>
           <a:prstGeom prst="rect">
             <a:avLst/>
           </a:prstGeom>
           <a:noFill/>
+          <a:ln>
+            <a:noFill/>
+          </a:ln>
+          <a:extLst>
+            <a:ext uri="{909E8E84-426E-40DD-AFC4-6F175D3DCCD1}">
+              <a14:hiddenFill xmlns:a14="http://schemas.microsoft.com/office/drawing/2010/main">
+                <a:solidFill>
+                  <a:schemeClr val="accent1"/>
+                </a:solidFill>
+              </a14:hiddenFill>
+            </a:ext>
+            <a:ext uri="{91240B29-F687-4F45-9708-019B960494DF}">
+              <a14:hiddenLine xmlns:a14="http://schemas.microsoft.com/office/drawing/2010/main" w="9525">
+                <a:solidFill>
+                  <a:schemeClr val="tx1"/>
+                </a:solidFill>
+                <a:miter lim="800000"/>
+                <a:headEnd/>
+                <a:tailEnd/>
+              </a14:hiddenLine>
+            </a:ext>
+          </a:extLst>
         </p:spPr>
-        <p:txBody>
-          <a:bodyPr wrap="square" rtlCol="0">
-            <a:spAutoFit/>
-          </a:bodyPr>
-          <a:lstStyle/>
-          <a:p>
-            <a:pPr algn="ctr"/>
-            <a:r>
-              <a:rPr lang="ru-RU" dirty="0" smtClean="0"/>
-              <a:t>Рисунок 2 – </a:t>
-            </a:r>
-            <a:r>
-              <a:rPr lang="en-US" dirty="0" smtClean="0"/>
-              <a:t>UML </a:t>
-            </a:r>
-            <a:r>
-              <a:rPr lang="ru-RU" dirty="0" smtClean="0"/>
-              <a:t>диаграма классов иерархии наследования матчеров и ресолверов</a:t>
-            </a:r>
-            <a:endParaRPr lang="ru-RU" dirty="0"/>
-          </a:p>
-        </p:txBody>
-      </p:sp>
+      </p:pic>
     </p:spTree>
     <p:extLst>
       <p:ext uri="{BB962C8B-B14F-4D97-AF65-F5344CB8AC3E}">
-        <p14:creationId xmlns:p14="http://schemas.microsoft.com/office/powerpoint/2010/main" val="545655927"/>
+        <p14:creationId xmlns:p14="http://schemas.microsoft.com/office/powerpoint/2010/main" val="197067495"/>
       </p:ext>
     </p:extLst>
   </p:cSld>
   <p:clrMapOvr>
     <a:masterClrMapping/>
   </p:clrMapOvr>
+  <p:timing>
+    <p:tnLst>
+      <p:par>
+        <p:cTn id="1" dur="indefinite" restart="never" nodeType="tmRoot"/>
+      </p:par>
+    </p:tnLst>
+  </p:timing>
 </p:sld>
 </file>
 
@@ -5929,12 +6252,12 @@
       </p:grpSpPr>
       <p:sp>
         <p:nvSpPr>
-          <p:cNvPr id="2" name="Title 1"/>
-          <p:cNvSpPr>
-            <a:spLocks noGrp="1"/>
-          </p:cNvSpPr>
-          <p:nvPr>
-            <p:ph type="title"/>
+          <p:cNvPr id="2" name="Slide Number Placeholder 1"/>
+          <p:cNvSpPr>
+            <a:spLocks noGrp="1"/>
+          </p:cNvSpPr>
+          <p:nvPr>
+            <p:ph type="sldNum" sz="quarter" idx="12"/>
           </p:nvPr>
         </p:nvSpPr>
         <p:spPr/>
@@ -5942,113 +6265,118 @@
           <a:bodyPr/>
           <a:lstStyle/>
           <a:p>
-            <a:r>
-              <a:rPr lang="ru-RU" dirty="0" smtClean="0"/>
-              <a:t>Заключение</a:t>
-            </a:r>
-            <a:endParaRPr lang="ru-RU" dirty="0"/>
-          </a:p>
-        </p:txBody>
-      </p:sp>
-      <p:sp>
-        <p:nvSpPr>
-          <p:cNvPr id="3" name="Rectangle 2"/>
-          <p:cNvSpPr/>
+            <a:fld id="{50996AF7-1824-4C33-83B5-5666EA84AEE3}" type="slidenum">
+              <a:rPr lang="ru-RU" smtClean="0"/>
+              <a:t>7</a:t>
+            </a:fld>
+            <a:endParaRPr lang="ru-RU"/>
+          </a:p>
+        </p:txBody>
+      </p:sp>
+      <p:sp>
+        <p:nvSpPr>
+          <p:cNvPr id="3" name="Title 1"/>
+          <p:cNvSpPr txBox="1">
+            <a:spLocks/>
+          </p:cNvSpPr>
           <p:nvPr/>
         </p:nvSpPr>
         <p:spPr>
           <a:xfrm>
-            <a:off x="899592" y="1997839"/>
-            <a:ext cx="7344816" cy="2308324"/>
+            <a:off x="457200" y="274638"/>
+            <a:ext cx="8229600" cy="1143000"/>
           </a:xfrm>
           <a:prstGeom prst="rect">
             <a:avLst/>
           </a:prstGeom>
         </p:spPr>
         <p:txBody>
-          <a:bodyPr wrap="square">
-            <a:spAutoFit/>
+          <a:bodyPr>
+            <a:normAutofit fontScale="90000"/>
           </a:bodyPr>
-          <a:lstStyle/>
-          <a:p>
-            <a:pPr lvl="0" indent="266700" algn="just">
-              <a:buFont typeface="Wingdings" panose="05000000000000000000" pitchFamily="2" charset="2"/>
-              <a:buChar char="ü"/>
-            </a:pPr>
-            <a:r>
-              <a:rPr lang="ru-RU" dirty="0"/>
-              <a:t>модуль для матричных операций и решения линейных алгебраических уравнений;</a:t>
-            </a:r>
-          </a:p>
-          <a:p>
-            <a:pPr lvl="0" indent="266700" algn="just">
-              <a:buFont typeface="Wingdings" panose="05000000000000000000" pitchFamily="2" charset="2"/>
-              <a:buChar char="ü"/>
-            </a:pPr>
-            <a:r>
-              <a:rPr lang="ru-RU" dirty="0"/>
-              <a:t>модуль для интерполяции сглаживающими сплайнами;</a:t>
-            </a:r>
-          </a:p>
-          <a:p>
-            <a:pPr lvl="0" indent="266700" algn="just">
-              <a:buFont typeface="Wingdings" panose="05000000000000000000" pitchFamily="2" charset="2"/>
-              <a:buChar char="ü"/>
-            </a:pPr>
-            <a:r>
-              <a:rPr lang="ru-RU" dirty="0"/>
-              <a:t>модуль для численного интегрирования;</a:t>
-            </a:r>
-          </a:p>
-          <a:p>
-            <a:pPr lvl="0" indent="266700" algn="just">
-              <a:buFont typeface="Wingdings" panose="05000000000000000000" pitchFamily="2" charset="2"/>
-              <a:buChar char="ü"/>
-            </a:pPr>
-            <a:r>
-              <a:rPr lang="ru-RU" dirty="0"/>
-              <a:t>модуль для представления параметрически заданных кривых и перехода к естественной параметризации;</a:t>
-            </a:r>
-          </a:p>
-          <a:p>
-            <a:pPr lvl="0" indent="266700" algn="just">
-              <a:buFont typeface="Wingdings" panose="05000000000000000000" pitchFamily="2" charset="2"/>
-              <a:buChar char="ü"/>
-            </a:pPr>
-            <a:r>
-              <a:rPr lang="ru-RU" dirty="0"/>
-              <a:t>модуль для представления подписи и сопоставления подписей друг другу.</a:t>
-            </a:r>
-          </a:p>
-        </p:txBody>
-      </p:sp>
-      <p:sp>
-        <p:nvSpPr>
-          <p:cNvPr id="4" name="Slide Number Placeholder 3"/>
-          <p:cNvSpPr>
-            <a:spLocks noGrp="1"/>
-          </p:cNvSpPr>
-          <p:nvPr>
-            <p:ph type="sldNum" sz="quarter" idx="12"/>
-          </p:nvPr>
-        </p:nvSpPr>
-        <p:spPr/>
-        <p:txBody>
-          <a:bodyPr/>
-          <a:lstStyle/>
-          <a:p>
-            <a:fld id="{50996AF7-1824-4C33-83B5-5666EA84AEE3}" type="slidenum">
-              <a:rPr lang="ru-RU" smtClean="0"/>
-              <a:t>7</a:t>
-            </a:fld>
-            <a:endParaRPr lang="ru-RU"/>
-          </a:p>
-        </p:txBody>
-      </p:sp>
+          <a:lstStyle>
+            <a:lvl1pPr algn="ctr" defTabSz="914400" rtl="0" eaLnBrk="1" latinLnBrk="0" hangingPunct="1">
+              <a:spcBef>
+                <a:spcPct val="0"/>
+              </a:spcBef>
+              <a:buNone/>
+              <a:defRPr sz="4400" kern="1200">
+                <a:solidFill>
+                  <a:schemeClr val="tx1"/>
+                </a:solidFill>
+                <a:latin typeface="+mj-lt"/>
+                <a:ea typeface="+mj-ea"/>
+                <a:cs typeface="+mj-cs"/>
+              </a:defRPr>
+            </a:lvl1pPr>
+          </a:lstStyle>
+          <a:p>
+            <a:r>
+              <a:rPr lang="ru-RU" dirty="0" smtClean="0"/>
+              <a:t>Параметрически заданные кривые</a:t>
+            </a:r>
+            <a:endParaRPr lang="ru-RU" dirty="0"/>
+          </a:p>
+        </p:txBody>
+      </p:sp>
+      <p:pic>
+        <p:nvPicPr>
+          <p:cNvPr id="3074" name="Picture 2"/>
+          <p:cNvPicPr>
+            <a:picLocks noChangeAspect="1" noChangeArrowheads="1"/>
+          </p:cNvPicPr>
+          <p:nvPr/>
+        </p:nvPicPr>
+        <p:blipFill>
+          <a:blip r:embed="rId2">
+            <a:extLst>
+              <a:ext uri="{28A0092B-C50C-407E-A947-70E740481C1C}">
+                <a14:useLocalDpi xmlns:a14="http://schemas.microsoft.com/office/drawing/2010/main" val="0"/>
+              </a:ext>
+            </a:extLst>
+          </a:blip>
+          <a:srcRect/>
+          <a:stretch>
+            <a:fillRect/>
+          </a:stretch>
+        </p:blipFill>
+        <p:spPr bwMode="auto">
+          <a:xfrm>
+            <a:off x="1289736" y="1268761"/>
+            <a:ext cx="6810656" cy="5040560"/>
+          </a:xfrm>
+          <a:prstGeom prst="rect">
+            <a:avLst/>
+          </a:prstGeom>
+          <a:noFill/>
+          <a:ln>
+            <a:noFill/>
+          </a:ln>
+          <a:extLst>
+            <a:ext uri="{909E8E84-426E-40DD-AFC4-6F175D3DCCD1}">
+              <a14:hiddenFill xmlns:a14="http://schemas.microsoft.com/office/drawing/2010/main">
+                <a:solidFill>
+                  <a:schemeClr val="accent1"/>
+                </a:solidFill>
+              </a14:hiddenFill>
+            </a:ext>
+            <a:ext uri="{91240B29-F687-4F45-9708-019B960494DF}">
+              <a14:hiddenLine xmlns:a14="http://schemas.microsoft.com/office/drawing/2010/main" w="9525">
+                <a:solidFill>
+                  <a:schemeClr val="tx1"/>
+                </a:solidFill>
+                <a:miter lim="800000"/>
+                <a:headEnd/>
+                <a:tailEnd/>
+              </a14:hiddenLine>
+            </a:ext>
+          </a:extLst>
+        </p:spPr>
+      </p:pic>
     </p:spTree>
     <p:extLst>
       <p:ext uri="{BB962C8B-B14F-4D97-AF65-F5344CB8AC3E}">
-        <p14:creationId xmlns:p14="http://schemas.microsoft.com/office/powerpoint/2010/main" val="428528492"/>
+        <p14:creationId xmlns:p14="http://schemas.microsoft.com/office/powerpoint/2010/main" val="2016924539"/>
       </p:ext>
     </p:extLst>
   </p:cSld>
@@ -6084,75 +6412,330 @@
       </p:grpSpPr>
       <p:sp>
         <p:nvSpPr>
-          <p:cNvPr id="2" name="TextBox 1"/>
-          <p:cNvSpPr txBox="1"/>
+          <p:cNvPr id="2" name="Title 1"/>
+          <p:cNvSpPr>
+            <a:spLocks noGrp="1"/>
+          </p:cNvSpPr>
+          <p:nvPr>
+            <p:ph type="title"/>
+          </p:nvPr>
+        </p:nvSpPr>
+        <p:spPr/>
+        <p:txBody>
+          <a:bodyPr/>
+          <a:lstStyle/>
+          <a:p>
+            <a:r>
+              <a:rPr lang="en-US" dirty="0" smtClean="0"/>
+              <a:t>Android-</a:t>
+            </a:r>
+            <a:r>
+              <a:rPr lang="ru-RU" dirty="0" smtClean="0"/>
+              <a:t>приложение</a:t>
+            </a:r>
+            <a:endParaRPr lang="ru-RU" dirty="0"/>
+          </a:p>
+        </p:txBody>
+      </p:sp>
+      <p:sp>
+        <p:nvSpPr>
+          <p:cNvPr id="3" name="Slide Number Placeholder 2"/>
+          <p:cNvSpPr>
+            <a:spLocks noGrp="1"/>
+          </p:cNvSpPr>
+          <p:nvPr>
+            <p:ph type="sldNum" sz="quarter" idx="12"/>
+          </p:nvPr>
+        </p:nvSpPr>
+        <p:spPr/>
+        <p:txBody>
+          <a:bodyPr/>
+          <a:lstStyle/>
+          <a:p>
+            <a:fld id="{50996AF7-1824-4C33-83B5-5666EA84AEE3}" type="slidenum">
+              <a:rPr lang="ru-RU" smtClean="0"/>
+              <a:t>8</a:t>
+            </a:fld>
+            <a:endParaRPr lang="ru-RU"/>
+          </a:p>
+        </p:txBody>
+      </p:sp>
+      <p:pic>
+        <p:nvPicPr>
+          <p:cNvPr id="4" name="Picture 3"/>
+          <p:cNvPicPr>
+            <a:picLocks noChangeAspect="1"/>
+          </p:cNvPicPr>
           <p:nvPr/>
-        </p:nvSpPr>
+        </p:nvPicPr>
+        <p:blipFill rotWithShape="1">
+          <a:blip r:embed="rId2">
+            <a:extLst>
+              <a:ext uri="{28A0092B-C50C-407E-A947-70E740481C1C}">
+                <a14:useLocalDpi xmlns:a14="http://schemas.microsoft.com/office/drawing/2010/main" val="0"/>
+              </a:ext>
+            </a:extLst>
+          </a:blip>
+          <a:srcRect t="3540"/>
+          <a:stretch/>
+        </p:blipFill>
         <p:spPr>
           <a:xfrm>
-            <a:off x="2267744" y="2060848"/>
-            <a:ext cx="4680520" cy="1323439"/>
+            <a:off x="1563067" y="1268760"/>
+            <a:ext cx="3080941" cy="5283330"/>
           </a:xfrm>
           <a:prstGeom prst="rect">
             <a:avLst/>
           </a:prstGeom>
-          <a:noFill/>
         </p:spPr>
-        <p:txBody>
-          <a:bodyPr wrap="square" rtlCol="0">
-            <a:spAutoFit/>
-          </a:bodyPr>
-          <a:lstStyle/>
-          <a:p>
-            <a:pPr algn="ctr"/>
-            <a:r>
-              <a:rPr lang="ru-RU" sz="4000" dirty="0" smtClean="0"/>
-              <a:t>Спасибо </a:t>
-            </a:r>
-            <a:br>
-              <a:rPr lang="ru-RU" sz="4000" dirty="0" smtClean="0"/>
-            </a:br>
-            <a:r>
-              <a:rPr lang="ru-RU" sz="4000" dirty="0" smtClean="0"/>
-              <a:t>за внимание</a:t>
-            </a:r>
-            <a:endParaRPr lang="ru-RU" sz="4000" dirty="0"/>
-          </a:p>
-        </p:txBody>
-      </p:sp>
-      <p:sp>
-        <p:nvSpPr>
-          <p:cNvPr id="3" name="Slide Number Placeholder 2"/>
-          <p:cNvSpPr>
-            <a:spLocks noGrp="1"/>
-          </p:cNvSpPr>
-          <p:nvPr>
-            <p:ph type="sldNum" sz="quarter" idx="12"/>
-          </p:nvPr>
-        </p:nvSpPr>
-        <p:spPr/>
-        <p:txBody>
-          <a:bodyPr/>
-          <a:lstStyle/>
-          <a:p>
-            <a:fld id="{50996AF7-1824-4C33-83B5-5666EA84AEE3}" type="slidenum">
-              <a:rPr lang="ru-RU" smtClean="0"/>
-              <a:t>8</a:t>
-            </a:fld>
-            <a:endParaRPr lang="ru-RU"/>
-          </a:p>
-        </p:txBody>
-      </p:sp>
+      </p:pic>
+      <p:pic>
+        <p:nvPicPr>
+          <p:cNvPr id="5" name="Picture 4"/>
+          <p:cNvPicPr>
+            <a:picLocks noChangeAspect="1"/>
+          </p:cNvPicPr>
+          <p:nvPr/>
+        </p:nvPicPr>
+        <p:blipFill rotWithShape="1">
+          <a:blip r:embed="rId3">
+            <a:extLst>
+              <a:ext uri="{28A0092B-C50C-407E-A947-70E740481C1C}">
+                <a14:useLocalDpi xmlns:a14="http://schemas.microsoft.com/office/drawing/2010/main" val="0"/>
+              </a:ext>
+            </a:extLst>
+          </a:blip>
+          <a:srcRect t="3267"/>
+          <a:stretch/>
+        </p:blipFill>
+        <p:spPr>
+          <a:xfrm>
+            <a:off x="4677413" y="1268760"/>
+            <a:ext cx="3062939" cy="5267328"/>
+          </a:xfrm>
+          <a:prstGeom prst="rect">
+            <a:avLst/>
+          </a:prstGeom>
+        </p:spPr>
+      </p:pic>
     </p:spTree>
     <p:extLst>
       <p:ext uri="{BB962C8B-B14F-4D97-AF65-F5344CB8AC3E}">
-        <p14:creationId xmlns:p14="http://schemas.microsoft.com/office/powerpoint/2010/main" val="1490000657"/>
+        <p14:creationId xmlns:p14="http://schemas.microsoft.com/office/powerpoint/2010/main" val="1410314364"/>
       </p:ext>
     </p:extLst>
   </p:cSld>
   <p:clrMapOvr>
     <a:masterClrMapping/>
   </p:clrMapOvr>
+</p:sld>
+</file>
+
+<file path=ppt/slides/slide9.xml><?xml version="1.0" encoding="utf-8"?>
+<p:sld xmlns:a="http://schemas.openxmlformats.org/drawingml/2006/main" xmlns:r="http://schemas.openxmlformats.org/officeDocument/2006/relationships" xmlns:p="http://schemas.openxmlformats.org/presentationml/2006/main">
+  <p:cSld>
+    <p:spTree>
+      <p:nvGrpSpPr>
+        <p:cNvPr id="1" name=""/>
+        <p:cNvGrpSpPr/>
+        <p:nvPr/>
+      </p:nvGrpSpPr>
+      <p:grpSpPr>
+        <a:xfrm>
+          <a:off x="0" y="0"/>
+          <a:ext cx="0" cy="0"/>
+          <a:chOff x="0" y="0"/>
+          <a:chExt cx="0" cy="0"/>
+        </a:xfrm>
+      </p:grpSpPr>
+      <p:sp>
+        <p:nvSpPr>
+          <p:cNvPr id="2" name="Title 1"/>
+          <p:cNvSpPr>
+            <a:spLocks noGrp="1"/>
+          </p:cNvSpPr>
+          <p:nvPr>
+            <p:ph type="title"/>
+          </p:nvPr>
+        </p:nvSpPr>
+        <p:spPr/>
+        <p:txBody>
+          <a:bodyPr/>
+          <a:lstStyle/>
+          <a:p>
+            <a:r>
+              <a:rPr lang="ru-RU" dirty="0" smtClean="0"/>
+              <a:t>Заключение</a:t>
+            </a:r>
+            <a:endParaRPr lang="ru-RU" dirty="0"/>
+          </a:p>
+        </p:txBody>
+      </p:sp>
+      <p:sp>
+        <p:nvSpPr>
+          <p:cNvPr id="3" name="Rectangle 2"/>
+          <p:cNvSpPr/>
+          <p:nvPr/>
+        </p:nvSpPr>
+        <p:spPr>
+          <a:xfrm>
+            <a:off x="869504" y="1484784"/>
+            <a:ext cx="7344816" cy="4247317"/>
+          </a:xfrm>
+          <a:prstGeom prst="rect">
+            <a:avLst/>
+          </a:prstGeom>
+        </p:spPr>
+        <p:txBody>
+          <a:bodyPr wrap="square">
+            <a:spAutoFit/>
+          </a:bodyPr>
+          <a:lstStyle/>
+          <a:p>
+            <a:pPr algn="just"/>
+            <a:r>
+              <a:rPr lang="ru-RU" dirty="0"/>
+              <a:t>Исследованы:</a:t>
+            </a:r>
+          </a:p>
+          <a:p>
+            <a:pPr lvl="0" indent="266700" algn="just">
+              <a:buFont typeface="Arial" panose="020B0604020202020204" pitchFamily="34" charset="0"/>
+              <a:buChar char="•"/>
+            </a:pPr>
+            <a:r>
+              <a:rPr lang="ru-RU" dirty="0"/>
+              <a:t>методы биометрической верификации подписи;</a:t>
+            </a:r>
+          </a:p>
+          <a:p>
+            <a:pPr lvl="0" indent="266700" algn="just">
+              <a:buFont typeface="Arial" panose="020B0604020202020204" pitchFamily="34" charset="0"/>
+              <a:buChar char="•"/>
+            </a:pPr>
+            <a:r>
+              <a:rPr lang="ru-RU" dirty="0"/>
+              <a:t>сглаживающие интерполяционные сплайны</a:t>
+            </a:r>
+            <a:r>
+              <a:rPr lang="ru-RU" dirty="0" smtClean="0"/>
+              <a:t>.</a:t>
+            </a:r>
+            <a:endParaRPr lang="en-US" dirty="0" smtClean="0"/>
+          </a:p>
+          <a:p>
+            <a:pPr lvl="0" algn="just"/>
+            <a:endParaRPr lang="ru-RU" dirty="0"/>
+          </a:p>
+          <a:p>
+            <a:pPr algn="just"/>
+            <a:r>
+              <a:rPr lang="ru-RU" dirty="0"/>
+              <a:t>Разработаны:</a:t>
+            </a:r>
+          </a:p>
+          <a:p>
+            <a:pPr lvl="0" indent="266700" algn="just">
+              <a:buFont typeface="Arial" panose="020B0604020202020204" pitchFamily="34" charset="0"/>
+              <a:buChar char="•"/>
+            </a:pPr>
+            <a:r>
+              <a:rPr lang="ru-RU" dirty="0"/>
+              <a:t>метод получения экстремальных точек из сплайновых, параметрически заданных кривых;</a:t>
+            </a:r>
+          </a:p>
+          <a:p>
+            <a:pPr lvl="0" indent="266700" algn="just">
+              <a:buFont typeface="Arial" panose="020B0604020202020204" pitchFamily="34" charset="0"/>
+              <a:buChar char="•"/>
+            </a:pPr>
+            <a:r>
+              <a:rPr lang="ru-RU" dirty="0"/>
+              <a:t>модуль для матричных операций и решения линейных алгебраических уравнений;</a:t>
+            </a:r>
+          </a:p>
+          <a:p>
+            <a:pPr lvl="0" indent="266700" algn="just">
+              <a:buFont typeface="Arial" panose="020B0604020202020204" pitchFamily="34" charset="0"/>
+              <a:buChar char="•"/>
+            </a:pPr>
+            <a:r>
+              <a:rPr lang="ru-RU" dirty="0"/>
+              <a:t>модуль для интерполяции сглаживающими сплайнами;</a:t>
+            </a:r>
+          </a:p>
+          <a:p>
+            <a:pPr lvl="0" indent="266700" algn="just">
+              <a:buFont typeface="Arial" panose="020B0604020202020204" pitchFamily="34" charset="0"/>
+              <a:buChar char="•"/>
+            </a:pPr>
+            <a:r>
+              <a:rPr lang="ru-RU" dirty="0"/>
+              <a:t>модуль для численного интегрирования;</a:t>
+            </a:r>
+          </a:p>
+          <a:p>
+            <a:pPr lvl="0" indent="266700" algn="just">
+              <a:buFont typeface="Arial" panose="020B0604020202020204" pitchFamily="34" charset="0"/>
+              <a:buChar char="•"/>
+            </a:pPr>
+            <a:r>
+              <a:rPr lang="ru-RU" dirty="0"/>
+              <a:t>модуль для представления параметрически заданных кривых и перехода к естественной параметризации;</a:t>
+            </a:r>
+          </a:p>
+          <a:p>
+            <a:pPr lvl="0" indent="266700" algn="just">
+              <a:buFont typeface="Arial" panose="020B0604020202020204" pitchFamily="34" charset="0"/>
+              <a:buChar char="•"/>
+            </a:pPr>
+            <a:r>
+              <a:rPr lang="ru-RU" dirty="0"/>
+              <a:t>модуль для представления подписи и сопоставления подписей друг другу.</a:t>
+            </a:r>
+          </a:p>
+        </p:txBody>
+      </p:sp>
+      <p:sp>
+        <p:nvSpPr>
+          <p:cNvPr id="4" name="Slide Number Placeholder 3"/>
+          <p:cNvSpPr>
+            <a:spLocks noGrp="1"/>
+          </p:cNvSpPr>
+          <p:nvPr>
+            <p:ph type="sldNum" sz="quarter" idx="12"/>
+          </p:nvPr>
+        </p:nvSpPr>
+        <p:spPr/>
+        <p:txBody>
+          <a:bodyPr/>
+          <a:lstStyle/>
+          <a:p>
+            <a:fld id="{50996AF7-1824-4C33-83B5-5666EA84AEE3}" type="slidenum">
+              <a:rPr lang="ru-RU" smtClean="0"/>
+              <a:t>9</a:t>
+            </a:fld>
+            <a:endParaRPr lang="ru-RU"/>
+          </a:p>
+        </p:txBody>
+      </p:sp>
+    </p:spTree>
+    <p:extLst>
+      <p:ext uri="{BB962C8B-B14F-4D97-AF65-F5344CB8AC3E}">
+        <p14:creationId xmlns:p14="http://schemas.microsoft.com/office/powerpoint/2010/main" val="428528492"/>
+      </p:ext>
+    </p:extLst>
+  </p:cSld>
+  <p:clrMapOvr>
+    <a:masterClrMapping/>
+  </p:clrMapOvr>
+  <p:timing>
+    <p:tnLst>
+      <p:par>
+        <p:cTn id="1" dur="indefinite" restart="never" nodeType="tmRoot"/>
+      </p:par>
+    </p:tnLst>
+  </p:timing>
 </p:sld>
 </file>
 
